--- a/doc/Blah blah blah.pptx
+++ b/doc/Blah blah blah.pptx
@@ -17,16 +17,14 @@
     <p:sldId id="286" r:id="rId11"/>
     <p:sldId id="287" r:id="rId12"/>
     <p:sldId id="262" r:id="rId13"/>
-    <p:sldId id="264" r:id="rId14"/>
-    <p:sldId id="265" r:id="rId15"/>
-    <p:sldId id="267" r:id="rId16"/>
-    <p:sldId id="269" r:id="rId17"/>
-    <p:sldId id="270" r:id="rId18"/>
-    <p:sldId id="275" r:id="rId19"/>
-    <p:sldId id="276" r:id="rId20"/>
-    <p:sldId id="277" r:id="rId21"/>
-    <p:sldId id="257" r:id="rId22"/>
-    <p:sldId id="260" r:id="rId23"/>
+    <p:sldId id="265" r:id="rId14"/>
+    <p:sldId id="264" r:id="rId15"/>
+    <p:sldId id="269" r:id="rId16"/>
+    <p:sldId id="270" r:id="rId17"/>
+    <p:sldId id="275" r:id="rId18"/>
+    <p:sldId id="276" r:id="rId19"/>
+    <p:sldId id="257" r:id="rId20"/>
+    <p:sldId id="260" r:id="rId21"/>
   </p:sldIdLst>
   <p:sldSz cx="9144000" cy="6858000" type="screen4x3"/>
   <p:notesSz cx="6858000" cy="9144000"/>
@@ -3170,6 +3168,17 @@
               <a:rPr lang="zh-CN" altLang="en-US" dirty="0" smtClean="0"/>
               <a:t>锤炼学习型个体和团队</a:t>
             </a:r>
+            <a:endParaRPr lang="en-US" altLang="zh-CN" dirty="0" smtClean="0"/>
+          </a:p>
+          <a:p>
+            <a:r>
+              <a:rPr lang="zh-CN" altLang="en-US" dirty="0"/>
+              <a:t>没有一个真实</a:t>
+            </a:r>
+            <a:r>
+              <a:rPr lang="zh-CN" altLang="en-US" dirty="0" smtClean="0"/>
+              <a:t>的梦想显得浮夸，没有一个认真的追梦人显得渺小。</a:t>
+            </a:r>
             <a:endParaRPr lang="zh-CN" altLang="en-US" dirty="0"/>
           </a:p>
         </p:txBody>
@@ -3184,6 +3193,13 @@
   <p:clrMapOvr>
     <a:masterClrMapping/>
   </p:clrMapOvr>
+  <p:timing>
+    <p:tnLst>
+      <p:par>
+        <p:cTn id="1" dur="indefinite" restart="never" nodeType="tmRoot"/>
+      </p:par>
+    </p:tnLst>
+  </p:timing>
 </p:sld>
 </file>
 
@@ -3244,25 +3260,21 @@
           <a:p>
             <a:r>
               <a:rPr lang="zh-CN" altLang="en-US" dirty="0" smtClean="0"/>
-              <a:t>活到老，学到老，不断</a:t>
-            </a:r>
-            <a:r>
-              <a:rPr lang="zh-CN" altLang="en-US" dirty="0" smtClean="0"/>
-              <a:t>学习</a:t>
-            </a:r>
-            <a:r>
-              <a:rPr lang="zh-CN" altLang="en-US" dirty="0" smtClean="0"/>
-              <a:t>，强大自我</a:t>
+              <a:t>活到老，学到老，不断学习，强大个体。</a:t>
             </a:r>
             <a:endParaRPr lang="en-US" altLang="zh-CN" dirty="0" smtClean="0"/>
           </a:p>
           <a:p>
-            <a:endParaRPr lang="en-US" altLang="zh-CN" dirty="0"/>
-          </a:p>
-          <a:p>
-            <a:r>
-              <a:rPr lang="zh-CN" altLang="en-US" dirty="0" smtClean="0"/>
-              <a:t>成功是一个长久的过程与习惯，不是一个结果</a:t>
+            <a:r>
+              <a:rPr lang="zh-CN" altLang="en-US" dirty="0" smtClean="0"/>
+              <a:t>成功是一个长久的过程与习惯，不是一个结果。</a:t>
+            </a:r>
+            <a:endParaRPr lang="en-US" altLang="zh-CN" dirty="0" smtClean="0"/>
+          </a:p>
+          <a:p>
+            <a:r>
+              <a:rPr lang="zh-CN" altLang="en-US" dirty="0" smtClean="0"/>
+              <a:t>尽量减少娱乐和消费型时间，增加学习型时间。</a:t>
             </a:r>
             <a:endParaRPr lang="en-US" altLang="zh-CN" dirty="0" smtClean="0"/>
           </a:p>
@@ -3279,7 +3291,11 @@
           <a:p>
             <a:r>
               <a:rPr lang="zh-CN" altLang="en-US" dirty="0"/>
-              <a:t>越努力，越幸运</a:t>
+              <a:t>越努力，越</a:t>
+            </a:r>
+            <a:r>
+              <a:rPr lang="zh-CN" altLang="en-US" dirty="0" smtClean="0"/>
+              <a:t>幸运。</a:t>
             </a:r>
             <a:endParaRPr lang="en-US" altLang="zh-CN" dirty="0"/>
           </a:p>
@@ -3290,7 +3306,7 @@
             </a:r>
             <a:r>
               <a:rPr lang="zh-CN" altLang="en-US" dirty="0" smtClean="0"/>
-              <a:t>之</a:t>
+              <a:t>之！</a:t>
             </a:r>
             <a:endParaRPr lang="zh-CN" altLang="en-US" dirty="0"/>
           </a:p>
@@ -3306,6 +3322,13 @@
   <p:clrMapOvr>
     <a:masterClrMapping/>
   </p:clrMapOvr>
+  <p:timing>
+    <p:tnLst>
+      <p:par>
+        <p:cTn id="1" dur="indefinite" restart="never" nodeType="tmRoot"/>
+      </p:par>
+    </p:tnLst>
+  </p:timing>
 </p:sld>
 </file>
 
@@ -3343,7 +3366,7 @@
           <a:p>
             <a:r>
               <a:rPr lang="zh-CN" altLang="en-US" dirty="0" smtClean="0"/>
-              <a:t>田忌赛马</a:t>
+              <a:t>工作思路：田忌赛马</a:t>
             </a:r>
             <a:endParaRPr lang="zh-CN" altLang="en-US" dirty="0"/>
           </a:p>
@@ -3366,25 +3389,21 @@
           <a:p>
             <a:r>
               <a:rPr lang="zh-CN" altLang="en-US" dirty="0" smtClean="0"/>
-              <a:t>合理</a:t>
-            </a:r>
-            <a:r>
-              <a:rPr lang="zh-CN" altLang="en-US" dirty="0" smtClean="0"/>
-              <a:t>使用各种有限工作资源</a:t>
+              <a:t>工作中需要合理使用各种有限工作资源：</a:t>
             </a:r>
             <a:endParaRPr lang="en-US" altLang="zh-CN" dirty="0" smtClean="0"/>
           </a:p>
           <a:p>
             <a:r>
               <a:rPr lang="zh-CN" altLang="en-US" dirty="0" smtClean="0"/>
-              <a:t>人、物、时间</a:t>
+              <a:t>人、物、时间。</a:t>
             </a:r>
             <a:endParaRPr lang="en-US" altLang="zh-CN" dirty="0" smtClean="0"/>
           </a:p>
           <a:p>
             <a:r>
               <a:rPr lang="zh-CN" altLang="en-US" dirty="0" smtClean="0"/>
-              <a:t>达成工作目标</a:t>
+              <a:t>才有可能达成工作目标：得到预期结果</a:t>
             </a:r>
             <a:r>
               <a:rPr lang="en-US" altLang="zh-CN" dirty="0" smtClean="0"/>
@@ -3392,7 +3411,7 @@
             </a:r>
             <a:r>
               <a:rPr lang="zh-CN" altLang="en-US" dirty="0" smtClean="0"/>
-              <a:t>预期结果</a:t>
+              <a:t>客户满意</a:t>
             </a:r>
             <a:r>
               <a:rPr lang="en-US" altLang="zh-CN" dirty="0" smtClean="0"/>
@@ -3400,31 +3419,27 @@
             </a:r>
             <a:r>
               <a:rPr lang="zh-CN" altLang="en-US" dirty="0" smtClean="0"/>
-              <a:t>客户满意</a:t>
+              <a:t>公司满意</a:t>
             </a:r>
             <a:r>
               <a:rPr lang="en-US" altLang="zh-CN" dirty="0" smtClean="0"/>
               <a:t>=</a:t>
             </a:r>
             <a:r>
-              <a:rPr lang="zh-CN" altLang="en-US" dirty="0" smtClean="0"/>
-              <a:t>公司满意</a:t>
-            </a:r>
-            <a:r>
-              <a:rPr lang="en-US" altLang="zh-CN" dirty="0" smtClean="0"/>
-              <a:t>=</a:t>
-            </a:r>
-            <a:r>
               <a:rPr lang="zh-CN" altLang="en-US" dirty="0"/>
               <a:t>员工</a:t>
             </a:r>
             <a:r>
               <a:rPr lang="zh-CN" altLang="en-US" dirty="0" smtClean="0"/>
-              <a:t>满意</a:t>
+              <a:t>满意。</a:t>
             </a:r>
             <a:endParaRPr lang="en-US" altLang="zh-CN" dirty="0" smtClean="0"/>
           </a:p>
           <a:p>
+            <a:r>
+              <a:rPr lang="zh-CN" altLang="en-US" dirty="0" smtClean="0"/>
+              <a:t>一条重要指导思想：</a:t>
+            </a:r>
             <a:endParaRPr lang="en-US" altLang="zh-CN" dirty="0"/>
           </a:p>
           <a:p>
@@ -3438,7 +3453,7 @@
             </a:r>
             <a:r>
               <a:rPr lang="zh-CN" altLang="en-US" dirty="0" smtClean="0"/>
-              <a:t>之</a:t>
+              <a:t>之。</a:t>
             </a:r>
             <a:endParaRPr lang="zh-CN" altLang="en-US" dirty="0"/>
           </a:p>
@@ -3454,6 +3469,13 @@
   <p:clrMapOvr>
     <a:masterClrMapping/>
   </p:clrMapOvr>
+  <p:timing>
+    <p:tnLst>
+      <p:par>
+        <p:cTn id="1" dur="indefinite" restart="never" nodeType="tmRoot"/>
+      </p:par>
+    </p:tnLst>
+  </p:timing>
 </p:sld>
 </file>
 
@@ -3490,8 +3512,16 @@
           <a:lstStyle/>
           <a:p>
             <a:r>
+              <a:rPr lang="zh-CN" altLang="en-US" dirty="0" smtClean="0"/>
+              <a:t>个人目标：</a:t>
+            </a:r>
+            <a:r>
+              <a:rPr lang="en-US" altLang="zh-CN" dirty="0" smtClean="0"/>
+              <a:t>Be </a:t>
+            </a:r>
+            <a:r>
               <a:rPr lang="en-US" altLang="zh-CN" dirty="0"/>
-              <a:t>Be a useful person</a:t>
+              <a:t>a useful person</a:t>
             </a:r>
             <a:endParaRPr lang="zh-CN" altLang="en-US" dirty="0"/>
           </a:p>
@@ -3509,19 +3539,92 @@
         </p:nvSpPr>
         <p:spPr/>
         <p:txBody>
-          <a:bodyPr/>
-          <a:lstStyle/>
-          <a:p>
-            <a:r>
-              <a:rPr lang="zh-CN" altLang="en-US" dirty="0" smtClean="0"/>
-              <a:t>一个有用的人，在任何地方都会受欢迎</a:t>
+          <a:bodyPr>
+            <a:normAutofit fontScale="77500" lnSpcReduction="20000"/>
+          </a:bodyPr>
+          <a:lstStyle/>
+          <a:p>
+            <a:r>
+              <a:rPr lang="zh-CN" altLang="en-US" dirty="0" smtClean="0"/>
+              <a:t>做一个有用的人，做</a:t>
+            </a:r>
+            <a:r>
+              <a:rPr lang="zh-CN" altLang="en-US" dirty="0"/>
+              <a:t>一</a:t>
+            </a:r>
+            <a:r>
+              <a:rPr lang="zh-CN" altLang="en-US" dirty="0" smtClean="0"/>
+              <a:t>个努力的人</a:t>
+            </a:r>
+            <a:r>
+              <a:rPr lang="zh-CN" altLang="en-US" dirty="0"/>
+              <a:t>，</a:t>
+            </a:r>
+            <a:r>
+              <a:rPr lang="zh-CN" altLang="en-US" dirty="0" smtClean="0"/>
+              <a:t>在任何地方都会受欢迎</a:t>
+            </a:r>
+            <a:r>
+              <a:rPr lang="zh-CN" altLang="en-US" dirty="0"/>
+              <a:t>；</a:t>
+            </a:r>
+            <a:r>
+              <a:rPr lang="zh-CN" altLang="en-US" dirty="0" smtClean="0"/>
+              <a:t>立足工作岗位要求，提升工作能力，支持团队发展。</a:t>
             </a:r>
             <a:endParaRPr lang="en-US" altLang="zh-CN" dirty="0" smtClean="0"/>
           </a:p>
           <a:p>
             <a:r>
-              <a:rPr lang="zh-CN" altLang="en-US" dirty="0" smtClean="0"/>
-              <a:t>立足工作岗位要求，提升工作能力，支持团队发展</a:t>
+              <a:rPr lang="en-US" altLang="zh-CN" dirty="0"/>
+              <a:t>if you are not brave enough, no one will back you </a:t>
+            </a:r>
+            <a:r>
+              <a:rPr lang="en-US" altLang="zh-CN" dirty="0" smtClean="0"/>
+              <a:t>up. </a:t>
+            </a:r>
+            <a:r>
+              <a:rPr lang="zh-CN" altLang="en-US" dirty="0" smtClean="0"/>
+              <a:t>团队需要努力上进的队友。勇敢起来，</a:t>
+            </a:r>
+            <a:r>
+              <a:rPr lang="zh-CN" altLang="en-US" dirty="0"/>
+              <a:t>藐视一切未知与</a:t>
+            </a:r>
+            <a:r>
+              <a:rPr lang="zh-CN" altLang="en-US" dirty="0" smtClean="0"/>
+              <a:t>困难。因为</a:t>
+            </a:r>
+            <a:r>
+              <a:rPr lang="zh-CN" altLang="en-US" dirty="0"/>
+              <a:t>我不会，所以我不会？</a:t>
+            </a:r>
+            <a:r>
+              <a:rPr lang="en-US" altLang="zh-CN" dirty="0" smtClean="0"/>
+              <a:t>No</a:t>
+            </a:r>
+            <a:r>
+              <a:rPr lang="zh-CN" altLang="en-US" dirty="0" smtClean="0"/>
+              <a:t>，抛弃负面。</a:t>
+            </a:r>
+            <a:endParaRPr lang="en-US" altLang="zh-CN" dirty="0" smtClean="0"/>
+          </a:p>
+          <a:p>
+            <a:r>
+              <a:rPr lang="zh-CN" altLang="en-US" dirty="0"/>
+              <a:t>互联网深水</a:t>
+            </a:r>
+            <a:r>
+              <a:rPr lang="zh-CN" altLang="en-US" dirty="0" smtClean="0"/>
+              <a:t>区时代，网络资源就是最好的老师，搜索就是最好的工具。未来是物联网时代，有幸身处信息技术行业，可以为未来和下一代打好知识基础。无法想象未来</a:t>
+            </a:r>
+            <a:r>
+              <a:rPr lang="en-US" altLang="zh-CN" dirty="0" smtClean="0"/>
+              <a:t>20</a:t>
+            </a:r>
+            <a:r>
+              <a:rPr lang="zh-CN" altLang="en-US" dirty="0" smtClean="0"/>
+              <a:t>年的样子，只能尽力与时俱进，做好知识贮备，随时更新知识和技能体系，应对未来残酷的生存竞争。</a:t>
             </a:r>
             <a:endParaRPr lang="zh-CN" altLang="en-US" dirty="0"/>
           </a:p>
@@ -3537,6 +3640,13 @@
   <p:clrMapOvr>
     <a:masterClrMapping/>
   </p:clrMapOvr>
+  <p:timing>
+    <p:tnLst>
+      <p:par>
+        <p:cTn id="1" dur="indefinite" restart="never" nodeType="tmRoot"/>
+      </p:par>
+    </p:tnLst>
+  </p:timing>
 </p:sld>
 </file>
 
@@ -3570,7 +3680,7 @@
         <p:spPr/>
         <p:txBody>
           <a:bodyPr>
-            <a:normAutofit fontScale="90000"/>
+            <a:normAutofit/>
           </a:bodyPr>
           <a:lstStyle/>
           <a:p>
@@ -3578,72 +3688,85 @@
               <a:rPr lang="en-US" altLang="zh-CN" dirty="0" smtClean="0">
                 <a:effectLst/>
               </a:rPr>
-              <a:t>life doesn't get easier, </a:t>
-            </a:r>
-            <a:br>
-              <a:rPr lang="en-US" altLang="zh-CN" dirty="0" smtClean="0">
-                <a:effectLst/>
+              <a:t>knowledge is the antidote to fear.</a:t>
+            </a:r>
+            <a:endParaRPr lang="zh-CN" altLang="en-US" dirty="0"/>
+          </a:p>
+        </p:txBody>
+      </p:sp>
+      <p:sp>
+        <p:nvSpPr>
+          <p:cNvPr id="3" name="内容占位符 2"/>
+          <p:cNvSpPr>
+            <a:spLocks noGrp="1"/>
+          </p:cNvSpPr>
+          <p:nvPr>
+            <p:ph idx="1"/>
+          </p:nvPr>
+        </p:nvSpPr>
+        <p:spPr/>
+        <p:txBody>
+          <a:bodyPr>
+            <a:normAutofit/>
+          </a:bodyPr>
+          <a:lstStyle/>
+          <a:p>
+            <a:r>
+              <a:rPr lang="zh-CN" altLang="en-US" dirty="0" smtClean="0"/>
+              <a:t>知识是困难与恐惧的唯一灵丹妙药。</a:t>
+            </a:r>
+            <a:endParaRPr lang="en-US" altLang="zh-CN" dirty="0" smtClean="0"/>
+          </a:p>
+          <a:p>
+            <a:r>
+              <a:rPr lang="en-US" altLang="zh-CN" dirty="0"/>
+              <a:t>Knowledge is </a:t>
+            </a:r>
+            <a:r>
+              <a:rPr lang="en-US" altLang="zh-CN" dirty="0" smtClean="0"/>
+              <a:t>weightless</a:t>
+            </a:r>
+            <a:r>
+              <a:rPr lang="en-US" altLang="zh-CN" dirty="0"/>
+              <a:t>, a treasure you can always carry easily</a:t>
+            </a:r>
+            <a:r>
+              <a:rPr lang="en-US" altLang="zh-CN" dirty="0" smtClean="0"/>
+              <a:t>.</a:t>
+            </a:r>
+            <a:endParaRPr lang="en-US" altLang="zh-CN" dirty="0"/>
+          </a:p>
+          <a:p>
+            <a:r>
+              <a:rPr lang="en-US" altLang="zh-CN" dirty="0" smtClean="0"/>
+              <a:t>Knowledge is power.</a:t>
+            </a:r>
+            <a:r>
+              <a:rPr lang="zh-CN" altLang="en-US" dirty="0" smtClean="0"/>
+              <a:t>力量、能量、权利。</a:t>
+            </a:r>
+            <a:endParaRPr lang="en-US" altLang="zh-CN" dirty="0" smtClean="0"/>
+          </a:p>
+          <a:p>
+            <a:endParaRPr lang="en-US" altLang="zh-CN" dirty="0"/>
+          </a:p>
+          <a:p>
+            <a:r>
+              <a:rPr lang="zh-CN" altLang="en-US" dirty="0" smtClean="0"/>
+              <a:t>缺知识、没文化，书到用时方恨少，钱到月底不够花。</a:t>
+            </a:r>
+            <a:endParaRPr lang="en-US" altLang="zh-CN" dirty="0"/>
+          </a:p>
+          <a:p>
+            <a:r>
+              <a:rPr lang="zh-CN" altLang="en-US" dirty="0" smtClean="0"/>
+              <a:t>眼下，正是我的处境</a:t>
+            </a:r>
+            <a:r>
+              <a:rPr lang="zh-CN" altLang="en-US" dirty="0" smtClean="0">
+                <a:sym typeface="Wingdings" panose="05000000000000000000" pitchFamily="2" charset="2"/>
               </a:rPr>
-            </a:br>
-            <a:endParaRPr lang="zh-CN" altLang="en-US" dirty="0"/>
-          </a:p>
-        </p:txBody>
-      </p:sp>
-      <p:sp>
-        <p:nvSpPr>
-          <p:cNvPr id="3" name="内容占位符 2"/>
-          <p:cNvSpPr>
-            <a:spLocks noGrp="1"/>
-          </p:cNvSpPr>
-          <p:nvPr>
-            <p:ph idx="1"/>
-          </p:nvPr>
-        </p:nvSpPr>
-        <p:spPr/>
-        <p:txBody>
-          <a:bodyPr/>
-          <a:lstStyle/>
-          <a:p>
-            <a:r>
-              <a:rPr lang="en-US" altLang="zh-CN" dirty="0" smtClean="0">
-                <a:effectLst/>
-              </a:rPr>
-              <a:t>you just get stronger</a:t>
-            </a:r>
-            <a:r>
-              <a:rPr lang="en-US" altLang="zh-CN" dirty="0" smtClean="0">
-                <a:effectLst/>
-              </a:rPr>
-              <a:t>.</a:t>
-            </a:r>
-          </a:p>
-          <a:p>
-            <a:endParaRPr lang="en-US" altLang="zh-CN" dirty="0"/>
-          </a:p>
-          <a:p>
-            <a:r>
-              <a:rPr lang="zh-CN" altLang="en-US" dirty="0" smtClean="0"/>
-              <a:t>工作和生活从来不是平坦大路</a:t>
-            </a:r>
-            <a:endParaRPr lang="en-US" altLang="zh-CN" dirty="0" smtClean="0"/>
-          </a:p>
-          <a:p>
-            <a:endParaRPr lang="en-US" altLang="zh-CN" dirty="0"/>
-          </a:p>
-          <a:p>
-            <a:r>
-              <a:rPr lang="zh-CN" altLang="en-US" dirty="0" smtClean="0"/>
-              <a:t>跨越面临的困难，大拇指竖起</a:t>
-            </a:r>
-            <a:endParaRPr lang="en-US" altLang="zh-CN" dirty="0" smtClean="0"/>
-          </a:p>
-          <a:p>
-            <a:endParaRPr lang="en-US" altLang="zh-CN" dirty="0"/>
-          </a:p>
-          <a:p>
-            <a:r>
-              <a:rPr lang="zh-CN" altLang="en-US" dirty="0" smtClean="0"/>
-              <a:t>所谓门槛，跨过去就是门，跨不过。。。</a:t>
+              <a:t></a:t>
             </a:r>
             <a:endParaRPr lang="zh-CN" altLang="en-US" dirty="0"/>
           </a:p>
@@ -3652,13 +3775,20 @@
     </p:spTree>
     <p:extLst>
       <p:ext uri="{BB962C8B-B14F-4D97-AF65-F5344CB8AC3E}">
-        <p14:creationId xmlns:p14="http://schemas.microsoft.com/office/powerpoint/2010/main" val="471715499"/>
+        <p14:creationId xmlns:p14="http://schemas.microsoft.com/office/powerpoint/2010/main" val="706912898"/>
       </p:ext>
     </p:extLst>
   </p:cSld>
   <p:clrMapOvr>
     <a:masterClrMapping/>
   </p:clrMapOvr>
+  <p:timing>
+    <p:tnLst>
+      <p:par>
+        <p:cTn id="1" dur="indefinite" restart="never" nodeType="tmRoot"/>
+      </p:par>
+    </p:tnLst>
+  </p:timing>
 </p:sld>
 </file>
 
@@ -3700,85 +3830,62 @@
               <a:rPr lang="en-US" altLang="zh-CN" dirty="0" smtClean="0">
                 <a:effectLst/>
               </a:rPr>
-              <a:t>knowledge is the antidote to fear</a:t>
-            </a:r>
+              <a:t>life doesn't get easier, </a:t>
+            </a:r>
+            <a:endParaRPr lang="zh-CN" altLang="en-US" dirty="0"/>
+          </a:p>
+        </p:txBody>
+      </p:sp>
+      <p:sp>
+        <p:nvSpPr>
+          <p:cNvPr id="3" name="内容占位符 2"/>
+          <p:cNvSpPr>
+            <a:spLocks noGrp="1"/>
+          </p:cNvSpPr>
+          <p:nvPr>
+            <p:ph idx="1"/>
+          </p:nvPr>
+        </p:nvSpPr>
+        <p:spPr/>
+        <p:txBody>
+          <a:bodyPr/>
+          <a:lstStyle/>
+          <a:p>
             <a:r>
               <a:rPr lang="en-US" altLang="zh-CN" dirty="0" smtClean="0">
                 <a:effectLst/>
               </a:rPr>
-              <a:t>.</a:t>
-            </a:r>
-            <a:endParaRPr lang="zh-CN" altLang="en-US" dirty="0"/>
-          </a:p>
-        </p:txBody>
-      </p:sp>
-      <p:sp>
-        <p:nvSpPr>
-          <p:cNvPr id="3" name="内容占位符 2"/>
-          <p:cNvSpPr>
-            <a:spLocks noGrp="1"/>
-          </p:cNvSpPr>
-          <p:nvPr>
-            <p:ph idx="1"/>
-          </p:nvPr>
-        </p:nvSpPr>
-        <p:spPr/>
-        <p:txBody>
-          <a:bodyPr>
-            <a:normAutofit/>
-          </a:bodyPr>
-          <a:lstStyle/>
-          <a:p>
-            <a:r>
-              <a:rPr lang="zh-CN" altLang="en-US" dirty="0" smtClean="0"/>
-              <a:t>知识是困难与恐惧的唯一灵丹妙药</a:t>
+              <a:t>you just get stronger.</a:t>
+            </a:r>
+          </a:p>
+          <a:p>
+            <a:r>
+              <a:rPr lang="zh-CN" altLang="en-US" dirty="0" smtClean="0"/>
+              <a:t>生活从来不会轻松，人需要更强大。</a:t>
+            </a:r>
+            <a:endParaRPr lang="en-US" altLang="zh-CN" dirty="0"/>
+          </a:p>
+          <a:p>
+            <a:r>
+              <a:rPr lang="zh-CN" altLang="en-US" dirty="0" smtClean="0"/>
+              <a:t>工作和生活从来不是平坦大路。</a:t>
+            </a:r>
+            <a:endParaRPr lang="en-US" altLang="zh-CN" dirty="0"/>
+          </a:p>
+          <a:p>
+            <a:r>
+              <a:rPr lang="zh-CN" altLang="en-US" dirty="0" smtClean="0"/>
+              <a:t>跨越面临的困难，大拇指竖起！</a:t>
             </a:r>
             <a:endParaRPr lang="en-US" altLang="zh-CN" dirty="0" smtClean="0"/>
           </a:p>
           <a:p>
-            <a:r>
-              <a:rPr lang="en-US" altLang="zh-CN" dirty="0"/>
-              <a:t>Knowledge is </a:t>
-            </a:r>
-            <a:r>
-              <a:rPr lang="en-US" altLang="zh-CN" dirty="0" smtClean="0"/>
-              <a:t>weightless</a:t>
-            </a:r>
-            <a:r>
-              <a:rPr lang="en-US" altLang="zh-CN" dirty="0"/>
-              <a:t>, a treasure you can always carry easily</a:t>
-            </a:r>
-            <a:r>
-              <a:rPr lang="en-US" altLang="zh-CN" dirty="0" smtClean="0"/>
-              <a:t>.</a:t>
-            </a:r>
             <a:endParaRPr lang="en-US" altLang="zh-CN" dirty="0"/>
           </a:p>
           <a:p>
             <a:r>
-              <a:rPr lang="en-US" altLang="zh-CN" dirty="0" smtClean="0"/>
-              <a:t>Knowledge is power</a:t>
-            </a:r>
-            <a:r>
-              <a:rPr lang="en-US" altLang="zh-CN" dirty="0"/>
-              <a:t>.</a:t>
-            </a:r>
-            <a:endParaRPr lang="en-US" altLang="zh-CN" dirty="0" smtClean="0"/>
-          </a:p>
-          <a:p>
-            <a:endParaRPr lang="en-US" altLang="zh-CN" dirty="0"/>
-          </a:p>
-          <a:p>
-            <a:r>
-              <a:rPr lang="zh-CN" altLang="en-US" dirty="0" smtClean="0"/>
-              <a:t>缺知识、没文化，书到用时方恨少，钱到月底不够花</a:t>
-            </a:r>
-            <a:endParaRPr lang="en-US" altLang="zh-CN" dirty="0"/>
-          </a:p>
-          <a:p>
-            <a:r>
-              <a:rPr lang="zh-CN" altLang="en-US" dirty="0" smtClean="0"/>
-              <a:t>眼下，正是我的处境</a:t>
+              <a:rPr lang="zh-CN" altLang="en-US" dirty="0" smtClean="0"/>
+              <a:t>所谓门槛，跨过去就是门，跨不过。。。</a:t>
             </a:r>
             <a:endParaRPr lang="zh-CN" altLang="en-US" dirty="0"/>
           </a:p>
@@ -3787,13 +3894,20 @@
     </p:spTree>
     <p:extLst>
       <p:ext uri="{BB962C8B-B14F-4D97-AF65-F5344CB8AC3E}">
-        <p14:creationId xmlns:p14="http://schemas.microsoft.com/office/powerpoint/2010/main" val="706912898"/>
+        <p14:creationId xmlns:p14="http://schemas.microsoft.com/office/powerpoint/2010/main" val="471715499"/>
       </p:ext>
     </p:extLst>
   </p:cSld>
   <p:clrMapOvr>
     <a:masterClrMapping/>
   </p:clrMapOvr>
+  <p:timing>
+    <p:tnLst>
+      <p:par>
+        <p:cTn id="1" dur="indefinite" restart="never" nodeType="tmRoot"/>
+      </p:par>
+    </p:tnLst>
+  </p:timing>
 </p:sld>
 </file>
 
@@ -3832,16 +3946,13 @@
           <a:lstStyle/>
           <a:p>
             <a:r>
-              <a:rPr lang="en-US" altLang="zh-CN" dirty="0" smtClean="0">
-                <a:effectLst/>
-              </a:rPr>
-              <a:t>if you are not brave enough, </a:t>
-            </a:r>
-            <a:br>
-              <a:rPr lang="en-US" altLang="zh-CN" dirty="0" smtClean="0">
-                <a:effectLst/>
-              </a:rPr>
-            </a:br>
+              <a:rPr lang="en-US" altLang="zh-CN" dirty="0"/>
+              <a:t>The shortest distance between two people is a smile</a:t>
+            </a:r>
+            <a:r>
+              <a:rPr lang="en-US" altLang="zh-CN" dirty="0" smtClean="0"/>
+              <a:t>.</a:t>
+            </a:r>
             <a:endParaRPr lang="zh-CN" altLang="en-US" dirty="0"/>
           </a:p>
         </p:txBody>
@@ -3858,52 +3969,205 @@
         </p:nvSpPr>
         <p:spPr/>
         <p:txBody>
-          <a:bodyPr/>
-          <a:lstStyle/>
-          <a:p>
-            <a:r>
-              <a:rPr lang="en-US" altLang="zh-CN" dirty="0" smtClean="0">
-                <a:effectLst/>
-              </a:rPr>
-              <a:t>no one will back you up</a:t>
-            </a:r>
-            <a:r>
-              <a:rPr lang="en-US" altLang="zh-CN" dirty="0" smtClean="0">
-                <a:effectLst/>
-              </a:rPr>
-              <a:t>.</a:t>
-            </a:r>
-          </a:p>
-          <a:p>
-            <a:endParaRPr lang="en-US" altLang="zh-CN" dirty="0"/>
-          </a:p>
-          <a:p>
-            <a:r>
-              <a:rPr lang="zh-CN" altLang="en-US" dirty="0" smtClean="0"/>
-              <a:t>勇敢起来吧，藐视一切未知与困难</a:t>
+          <a:bodyPr>
+            <a:normAutofit fontScale="62500" lnSpcReduction="20000"/>
+          </a:bodyPr>
+          <a:lstStyle/>
+          <a:p>
+            <a:r>
+              <a:rPr lang="zh-CN" altLang="en-US" dirty="0" smtClean="0"/>
+              <a:t>每个人生而不同，各有自己的缺憾，也可能有锋利的棱角。</a:t>
             </a:r>
             <a:endParaRPr lang="en-US" altLang="zh-CN" dirty="0" smtClean="0"/>
           </a:p>
           <a:p>
-            <a:endParaRPr lang="en-US" altLang="zh-CN" dirty="0"/>
-          </a:p>
-          <a:p>
-            <a:r>
-              <a:rPr lang="zh-CN" altLang="en-US" dirty="0" smtClean="0"/>
-              <a:t>因为我不会，所以我不会？</a:t>
+            <a:r>
+              <a:rPr lang="zh-CN" altLang="en-US" dirty="0" smtClean="0"/>
+              <a:t>如果不小心扎到别人，没关系，微笑吧，微笑可以疗伤，内心强大也可以自我疗伤。内心强大者多硬汉。</a:t>
+            </a:r>
+            <a:endParaRPr lang="en-US" altLang="zh-CN" dirty="0" smtClean="0"/>
+          </a:p>
+          <a:p>
+            <a:r>
+              <a:rPr lang="zh-CN" altLang="en-US" dirty="0"/>
+              <a:t>古</a:t>
+            </a:r>
+            <a:r>
+              <a:rPr lang="zh-CN" altLang="en-US" dirty="0" smtClean="0"/>
+              <a:t>有</a:t>
+            </a:r>
+            <a:r>
+              <a:rPr lang="zh-CN" altLang="en-US" dirty="0" smtClean="0"/>
+              <a:t>关羽云长</a:t>
+            </a:r>
+            <a:r>
+              <a:rPr lang="zh-CN" altLang="en-US" dirty="0" smtClean="0"/>
+              <a:t>刮</a:t>
+            </a:r>
+            <a:r>
+              <a:rPr lang="zh-CN" altLang="en-US" dirty="0"/>
+              <a:t>骨疗</a:t>
+            </a:r>
+            <a:r>
+              <a:rPr lang="zh-CN" altLang="en-US" dirty="0" smtClean="0"/>
+              <a:t>毒，太远？今有荧屏</a:t>
+            </a:r>
+            <a:r>
+              <a:rPr lang="zh-CN" altLang="en-US" dirty="0" smtClean="0"/>
+              <a:t>硬汉自修枪伤，</a:t>
+            </a:r>
+            <a:r>
+              <a:rPr lang="zh-CN" altLang="en-US" dirty="0" smtClean="0"/>
+              <a:t>太虚？朋友父亲，越战</a:t>
             </a:r>
             <a:r>
               <a:rPr lang="en-US" altLang="zh-CN" dirty="0" smtClean="0"/>
-              <a:t>No</a:t>
-            </a:r>
-          </a:p>
-          <a:p>
-            <a:endParaRPr lang="en-US" altLang="zh-CN" dirty="0"/>
-          </a:p>
-          <a:p>
-            <a:r>
-              <a:rPr lang="zh-CN" altLang="en-US" dirty="0" smtClean="0"/>
-              <a:t>不要做烂泥扶不上墙</a:t>
+              <a:t>2</a:t>
+            </a:r>
+            <a:r>
+              <a:rPr lang="zh-CN" altLang="en-US" dirty="0" smtClean="0"/>
+              <a:t>次死神</a:t>
+            </a:r>
+            <a:r>
+              <a:rPr lang="zh-CN" altLang="en-US" dirty="0" smtClean="0"/>
+              <a:t>擦肩而过，每天在死亡的压力下生存数年，</a:t>
+            </a:r>
+            <a:r>
+              <a:rPr lang="zh-CN" altLang="en-US" dirty="0" smtClean="0"/>
+              <a:t>近四十年</a:t>
+            </a:r>
+            <a:r>
+              <a:rPr lang="zh-CN" altLang="en-US" dirty="0" smtClean="0"/>
+              <a:t>了，不现实？</a:t>
+            </a:r>
+            <a:r>
+              <a:rPr lang="zh-CN" altLang="en-US" dirty="0" smtClean="0"/>
+              <a:t>近</a:t>
+            </a:r>
+            <a:r>
+              <a:rPr lang="zh-CN" altLang="en-US" dirty="0" smtClean="0"/>
+              <a:t>有</a:t>
+            </a:r>
+            <a:r>
+              <a:rPr lang="en-US" altLang="zh-CN" dirty="0" smtClean="0"/>
+              <a:t>60</a:t>
+            </a:r>
+            <a:r>
+              <a:rPr lang="zh-CN" altLang="en-US" dirty="0" smtClean="0"/>
+              <a:t>多岁老村医，心脏不适，自我</a:t>
+            </a:r>
+            <a:r>
+              <a:rPr lang="zh-CN" altLang="en-US" dirty="0" smtClean="0"/>
+              <a:t>扎针挂</a:t>
+            </a:r>
+            <a:r>
+              <a:rPr lang="zh-CN" altLang="en-US" dirty="0" smtClean="0"/>
+              <a:t>水还要兼顾村民打针吃药，</a:t>
+            </a:r>
+            <a:r>
+              <a:rPr lang="zh-CN" altLang="en-US" dirty="0" smtClean="0"/>
+              <a:t>真实了点？我们</a:t>
+            </a:r>
+            <a:r>
+              <a:rPr lang="zh-CN" altLang="en-US" dirty="0" smtClean="0"/>
+              <a:t>公司也有硬汉：邢俊杰同学凌晨</a:t>
+            </a:r>
+            <a:r>
+              <a:rPr lang="en-US" altLang="zh-CN" dirty="0" smtClean="0"/>
+              <a:t>1:39</a:t>
+            </a:r>
+            <a:r>
+              <a:rPr lang="zh-CN" altLang="en-US" dirty="0" smtClean="0"/>
+              <a:t>发日志</a:t>
+            </a:r>
+            <a:r>
+              <a:rPr lang="zh-CN" altLang="en-US" dirty="0" smtClean="0"/>
+              <a:t>，</a:t>
+            </a:r>
+            <a:r>
+              <a:rPr lang="en-US" altLang="zh-CN" dirty="0" smtClean="0"/>
+              <a:t>8:00</a:t>
+            </a:r>
+            <a:r>
+              <a:rPr lang="zh-CN" altLang="en-US" dirty="0" smtClean="0"/>
+              <a:t>照常上班；王总凌晨</a:t>
+            </a:r>
+            <a:r>
+              <a:rPr lang="en-US" altLang="zh-CN" dirty="0" smtClean="0"/>
+              <a:t>2</a:t>
+            </a:r>
+            <a:r>
+              <a:rPr lang="zh-CN" altLang="en-US" dirty="0" smtClean="0"/>
+              <a:t>点、</a:t>
+            </a:r>
+            <a:r>
+              <a:rPr lang="en-US" altLang="zh-CN" dirty="0" smtClean="0"/>
+              <a:t>5</a:t>
+            </a:r>
+            <a:r>
+              <a:rPr lang="zh-CN" altLang="en-US" dirty="0" smtClean="0"/>
+              <a:t>点</a:t>
+            </a:r>
+            <a:r>
+              <a:rPr lang="zh-CN" altLang="en-US" dirty="0" smtClean="0"/>
+              <a:t>，还在微信徜徉？不</a:t>
+            </a:r>
+            <a:r>
+              <a:rPr lang="zh-CN" altLang="en-US" dirty="0" smtClean="0"/>
+              <a:t>夜神，不要误会，原是一种美国</a:t>
+            </a:r>
+            <a:r>
+              <a:rPr lang="zh-CN" altLang="en-US" dirty="0" smtClean="0"/>
+              <a:t>药，使用后可以连续数天精神饱满工作，不需要休息。</a:t>
+            </a:r>
+            <a:r>
+              <a:rPr lang="zh-CN" altLang="en-US" dirty="0" smtClean="0"/>
+              <a:t>以上硬汉不需要</a:t>
+            </a:r>
+            <a:r>
+              <a:rPr lang="zh-CN" altLang="en-US" dirty="0" smtClean="0"/>
+              <a:t>吃药，</a:t>
+            </a:r>
+            <a:r>
+              <a:rPr lang="zh-CN" altLang="en-US" dirty="0" smtClean="0"/>
+              <a:t>小意思，没毛病，不要</a:t>
+            </a:r>
+            <a:r>
+              <a:rPr lang="zh-CN" altLang="en-US" dirty="0"/>
+              <a:t>自行车，硬汉就是硬汉。</a:t>
+            </a:r>
+            <a:r>
+              <a:rPr lang="zh-CN" altLang="en-US" dirty="0" smtClean="0"/>
+              <a:t>此处应该有掌声。火车跑得快，全凭车头带</a:t>
+            </a:r>
+            <a:r>
+              <a:rPr lang="zh-CN" altLang="en-US" dirty="0" smtClean="0"/>
+              <a:t>。有一天公司不再如此消耗硬汉了，一定是人才多到顶破天花板的时候。</a:t>
+            </a:r>
+            <a:endParaRPr lang="en-US" altLang="zh-CN" dirty="0" smtClean="0"/>
+          </a:p>
+          <a:p>
+            <a:r>
+              <a:rPr lang="zh-CN" altLang="en-US" dirty="0" smtClean="0"/>
+              <a:t>路遥知马力，日久见人心。</a:t>
+            </a:r>
+            <a:r>
+              <a:rPr lang="en-US" altLang="zh-CN" dirty="0" smtClean="0"/>
+              <a:t>Wait and see.</a:t>
+            </a:r>
+          </a:p>
+          <a:p>
+            <a:r>
+              <a:rPr lang="en-US" altLang="zh-CN" dirty="0"/>
+              <a:t>whatever happened in the past is gone, the best is always yet to </a:t>
+            </a:r>
+            <a:r>
+              <a:rPr lang="en-US" altLang="zh-CN" dirty="0" smtClean="0"/>
+              <a:t>come.</a:t>
+            </a:r>
+            <a:r>
+              <a:rPr lang="zh-CN" altLang="en-US" dirty="0" smtClean="0"/>
+              <a:t>过去已逝，美好定来。</a:t>
             </a:r>
             <a:endParaRPr lang="zh-CN" altLang="en-US" dirty="0"/>
           </a:p>
@@ -3912,13 +4176,20 @@
     </p:spTree>
     <p:extLst>
       <p:ext uri="{BB962C8B-B14F-4D97-AF65-F5344CB8AC3E}">
-        <p14:creationId xmlns:p14="http://schemas.microsoft.com/office/powerpoint/2010/main" val="2236964227"/>
+        <p14:creationId xmlns:p14="http://schemas.microsoft.com/office/powerpoint/2010/main" val="124387349"/>
       </p:ext>
     </p:extLst>
   </p:cSld>
   <p:clrMapOvr>
     <a:masterClrMapping/>
   </p:clrMapOvr>
+  <p:timing>
+    <p:tnLst>
+      <p:par>
+        <p:cTn id="1" dur="indefinite" restart="never" nodeType="tmRoot"/>
+      </p:par>
+    </p:tnLst>
+  </p:timing>
 </p:sld>
 </file>
 
@@ -3952,65 +4223,128 @@
         <p:spPr/>
         <p:txBody>
           <a:bodyPr>
-            <a:normAutofit fontScale="90000"/>
+            <a:normAutofit/>
           </a:bodyPr>
           <a:lstStyle/>
           <a:p>
             <a:r>
+              <a:rPr lang="en-US" altLang="zh-CN" dirty="0" smtClean="0">
+                <a:effectLst/>
+              </a:rPr>
+              <a:t>a person has at least one dream, </a:t>
+            </a:r>
+            <a:endParaRPr lang="zh-CN" altLang="en-US" dirty="0"/>
+          </a:p>
+        </p:txBody>
+      </p:sp>
+      <p:sp>
+        <p:nvSpPr>
+          <p:cNvPr id="3" name="内容占位符 2"/>
+          <p:cNvSpPr>
+            <a:spLocks noGrp="1"/>
+          </p:cNvSpPr>
+          <p:nvPr>
+            <p:ph idx="1"/>
+          </p:nvPr>
+        </p:nvSpPr>
+        <p:spPr/>
+        <p:txBody>
+          <a:bodyPr>
+            <a:normAutofit fontScale="92500" lnSpcReduction="20000"/>
+          </a:bodyPr>
+          <a:lstStyle/>
+          <a:p>
+            <a:r>
+              <a:rPr lang="en-US" altLang="zh-CN" dirty="0" smtClean="0">
+                <a:effectLst/>
+              </a:rPr>
+              <a:t>there is a reason to be strong.</a:t>
+            </a:r>
+          </a:p>
+          <a:p>
+            <a:r>
+              <a:rPr lang="zh-CN" altLang="en-US" dirty="0"/>
+              <a:t>普通</a:t>
+            </a:r>
+            <a:r>
+              <a:rPr lang="zh-CN" altLang="en-US" dirty="0" smtClean="0"/>
+              <a:t>人至少应该有一个让自己强大的梦想。</a:t>
+            </a:r>
+            <a:endParaRPr lang="en-US" altLang="zh-CN" dirty="0"/>
+          </a:p>
+          <a:p>
+            <a:r>
+              <a:rPr lang="zh-CN" altLang="en-US" dirty="0" smtClean="0"/>
+              <a:t>马丁路德金的梦想是黑人的人权与自由。</a:t>
+            </a:r>
+            <a:endParaRPr lang="en-US" altLang="zh-CN" dirty="0" smtClean="0"/>
+          </a:p>
+          <a:p>
+            <a:r>
               <a:rPr lang="en-US" altLang="zh-CN" dirty="0"/>
-              <a:t>The shortest distance between two people is a smile</a:t>
+              <a:t>I</a:t>
             </a:r>
             <a:r>
               <a:rPr lang="en-US" altLang="zh-CN" dirty="0" smtClean="0"/>
-              <a:t>.</a:t>
-            </a:r>
-            <a:endParaRPr lang="zh-CN" altLang="en-US" dirty="0"/>
-          </a:p>
-        </p:txBody>
-      </p:sp>
-      <p:sp>
-        <p:nvSpPr>
-          <p:cNvPr id="3" name="内容占位符 2"/>
-          <p:cNvSpPr>
-            <a:spLocks noGrp="1"/>
-          </p:cNvSpPr>
-          <p:nvPr>
-            <p:ph idx="1"/>
-          </p:nvPr>
-        </p:nvSpPr>
-        <p:spPr/>
-        <p:txBody>
-          <a:bodyPr/>
-          <a:lstStyle/>
-          <a:p>
-            <a:r>
-              <a:rPr lang="zh-CN" altLang="en-US" dirty="0" smtClean="0"/>
-              <a:t>每个人生而不同，各有自己的缺憾，也有锋利的棱角</a:t>
+              <a:t> </a:t>
+            </a:r>
+            <a:r>
+              <a:rPr lang="en-US" altLang="zh-CN" dirty="0"/>
+              <a:t>believe </a:t>
+            </a:r>
+            <a:r>
+              <a:rPr lang="en-US" altLang="zh-CN" dirty="0" smtClean="0"/>
+              <a:t>there‘s </a:t>
+            </a:r>
+            <a:r>
+              <a:rPr lang="en-US" altLang="zh-CN" dirty="0"/>
+              <a:t>a hero in all of </a:t>
+            </a:r>
+            <a:r>
+              <a:rPr lang="en-US" altLang="zh-CN" dirty="0" smtClean="0"/>
+              <a:t>us.</a:t>
+            </a:r>
+            <a:r>
+              <a:rPr lang="zh-CN" altLang="en-US" dirty="0" smtClean="0"/>
+              <a:t>每个人心中都有一个英雄，都想无限像那个英雄靠近，以至于成为那个英雄。</a:t>
             </a:r>
             <a:endParaRPr lang="en-US" altLang="zh-CN" dirty="0" smtClean="0"/>
           </a:p>
           <a:p>
             <a:r>
-              <a:rPr lang="zh-CN" altLang="en-US" dirty="0" smtClean="0"/>
-              <a:t>如果不小心扎到别人，没关系，微笑吧</a:t>
+              <a:rPr lang="zh-CN" altLang="en-US" dirty="0"/>
+              <a:t>人</a:t>
+            </a:r>
+            <a:r>
+              <a:rPr lang="zh-CN" altLang="en-US" dirty="0" smtClean="0"/>
+              <a:t>一辈子，至少要做一件感动自己的事，因为无法打动自己，便无法打动别人。</a:t>
             </a:r>
             <a:endParaRPr lang="en-US" altLang="zh-CN" dirty="0" smtClean="0"/>
           </a:p>
           <a:p>
             <a:r>
-              <a:rPr lang="zh-CN" altLang="en-US" dirty="0" smtClean="0"/>
-              <a:t>路遥知马力，日久见人心</a:t>
-            </a:r>
-            <a:endParaRPr lang="en-US" altLang="zh-CN" dirty="0" smtClean="0"/>
-          </a:p>
-          <a:p>
+              <a:rPr lang="en-US" altLang="zh-CN" dirty="0" smtClean="0"/>
+              <a:t> do </a:t>
+            </a:r>
             <a:r>
               <a:rPr lang="en-US" altLang="zh-CN" dirty="0"/>
-              <a:t>whatever happened in the past is gone, the best is always yet to come</a:t>
+              <a:t>not pray for easy </a:t>
             </a:r>
             <a:r>
               <a:rPr lang="en-US" altLang="zh-CN" dirty="0" smtClean="0"/>
-              <a:t>.</a:t>
+              <a:t>lives</a:t>
+            </a:r>
+            <a:r>
+              <a:rPr lang="en-US" altLang="zh-CN" dirty="0"/>
+              <a:t>. pray to be stronger </a:t>
+            </a:r>
+            <a:r>
+              <a:rPr lang="en-US" altLang="zh-CN" dirty="0" smtClean="0"/>
+              <a:t>men.</a:t>
+            </a:r>
+            <a:r>
+              <a:rPr lang="zh-CN" altLang="en-US" dirty="0" smtClean="0"/>
+              <a:t>祈祷并用行动让自己变得更强大。</a:t>
             </a:r>
             <a:endParaRPr lang="zh-CN" altLang="en-US" dirty="0"/>
           </a:p>
@@ -4019,13 +4353,20 @@
     </p:spTree>
     <p:extLst>
       <p:ext uri="{BB962C8B-B14F-4D97-AF65-F5344CB8AC3E}">
-        <p14:creationId xmlns:p14="http://schemas.microsoft.com/office/powerpoint/2010/main" val="124387349"/>
+        <p14:creationId xmlns:p14="http://schemas.microsoft.com/office/powerpoint/2010/main" val="2996434"/>
       </p:ext>
     </p:extLst>
   </p:cSld>
   <p:clrMapOvr>
     <a:masterClrMapping/>
   </p:clrMapOvr>
+  <p:timing>
+    <p:tnLst>
+      <p:par>
+        <p:cTn id="1" dur="indefinite" restart="never" nodeType="tmRoot"/>
+      </p:par>
+    </p:tnLst>
+  </p:timing>
 </p:sld>
 </file>
 
@@ -4059,7 +4400,7 @@
         <p:spPr/>
         <p:txBody>
           <a:bodyPr>
-            <a:normAutofit fontScale="90000"/>
+            <a:normAutofit/>
           </a:bodyPr>
           <a:lstStyle/>
           <a:p>
@@ -4067,103 +4408,110 @@
               <a:rPr lang="en-US" altLang="zh-CN" dirty="0" smtClean="0">
                 <a:effectLst/>
               </a:rPr>
-              <a:t>a person has at least one dream, </a:t>
-            </a:r>
-            <a:br>
+              <a:t>we are all in the gutter, </a:t>
+            </a:r>
+            <a:endParaRPr lang="zh-CN" altLang="en-US" dirty="0"/>
+          </a:p>
+        </p:txBody>
+      </p:sp>
+      <p:sp>
+        <p:nvSpPr>
+          <p:cNvPr id="3" name="内容占位符 2"/>
+          <p:cNvSpPr>
+            <a:spLocks noGrp="1"/>
+          </p:cNvSpPr>
+          <p:nvPr>
+            <p:ph idx="1"/>
+          </p:nvPr>
+        </p:nvSpPr>
+        <p:spPr/>
+        <p:txBody>
+          <a:bodyPr>
+            <a:normAutofit fontScale="92500"/>
+          </a:bodyPr>
+          <a:lstStyle/>
+          <a:p>
+            <a:r>
               <a:rPr lang="en-US" altLang="zh-CN" dirty="0" smtClean="0">
                 <a:effectLst/>
               </a:rPr>
-            </a:br>
-            <a:endParaRPr lang="zh-CN" altLang="en-US" dirty="0"/>
-          </a:p>
-        </p:txBody>
-      </p:sp>
-      <p:sp>
-        <p:nvSpPr>
-          <p:cNvPr id="3" name="内容占位符 2"/>
-          <p:cNvSpPr>
-            <a:spLocks noGrp="1"/>
-          </p:cNvSpPr>
-          <p:nvPr>
-            <p:ph idx="1"/>
-          </p:nvPr>
-        </p:nvSpPr>
-        <p:spPr/>
-        <p:txBody>
-          <a:bodyPr/>
-          <a:lstStyle/>
-          <a:p>
-            <a:r>
-              <a:rPr lang="en-US" altLang="zh-CN" dirty="0" smtClean="0">
-                <a:effectLst/>
-              </a:rPr>
-              <a:t>there is a reason to be strong</a:t>
-            </a:r>
-            <a:r>
-              <a:rPr lang="en-US" altLang="zh-CN" dirty="0" smtClean="0">
-                <a:effectLst/>
-              </a:rPr>
-              <a:t>.</a:t>
-            </a:r>
-          </a:p>
-          <a:p>
-            <a:endParaRPr lang="en-US" altLang="zh-CN" dirty="0"/>
-          </a:p>
-          <a:p>
-            <a:r>
-              <a:rPr lang="zh-CN" altLang="en-US" dirty="0" smtClean="0"/>
-              <a:t>马丁路德金的梦想是黑人的人权与自由</a:t>
+              <a:t>but some of us are looking at the stars.</a:t>
+            </a:r>
+          </a:p>
+          <a:p>
+            <a:r>
+              <a:rPr lang="zh-CN" altLang="en-US" dirty="0"/>
+              <a:t>我本将心向</a:t>
+            </a:r>
+            <a:r>
+              <a:rPr lang="zh-CN" altLang="en-US" dirty="0" smtClean="0"/>
+              <a:t>明月，奈何明月照沟渠？没关系。</a:t>
+            </a:r>
+            <a:endParaRPr lang="en-US" altLang="zh-CN" dirty="0" smtClean="0">
+              <a:effectLst/>
+            </a:endParaRPr>
+          </a:p>
+          <a:p>
+            <a:r>
+              <a:rPr lang="zh-CN" altLang="en-US" dirty="0"/>
+              <a:t>人生</a:t>
+            </a:r>
+            <a:r>
+              <a:rPr lang="zh-CN" altLang="en-US" dirty="0" smtClean="0"/>
+              <a:t>起伏，需要时请仰望星空，虽愈发感觉自我渺小，然而心有多宽，天地就有多广。</a:t>
+            </a:r>
+            <a:endParaRPr lang="en-US" altLang="zh-CN" dirty="0" smtClean="0">
+              <a:effectLst/>
+            </a:endParaRPr>
+          </a:p>
+          <a:p>
+            <a:r>
+              <a:rPr lang="zh-CN" altLang="en-US" dirty="0" smtClean="0"/>
+              <a:t>每个人都有自己的局限性，每个人都是自己的青蛙，坐在自己的井里观天，</a:t>
             </a:r>
             <a:endParaRPr lang="en-US" altLang="zh-CN" dirty="0" smtClean="0"/>
           </a:p>
           <a:p>
             <a:r>
-              <a:rPr lang="en-US" altLang="zh-CN" dirty="0" err="1"/>
-              <a:t>i</a:t>
-            </a:r>
-            <a:r>
-              <a:rPr lang="en-US" altLang="zh-CN" dirty="0"/>
-              <a:t> believe there's a hero in all of us.</a:t>
-            </a:r>
-          </a:p>
-          <a:p>
-            <a:r>
-              <a:rPr lang="zh-CN" altLang="en-US" dirty="0" smtClean="0"/>
-              <a:t>小人物至少可以有个强大自我的梦想</a:t>
+              <a:rPr lang="zh-CN" altLang="en-US" dirty="0" smtClean="0"/>
+              <a:t>想要站得更高，看得更</a:t>
+            </a:r>
+            <a:r>
+              <a:rPr lang="zh-CN" altLang="en-US" dirty="0"/>
+              <a:t>远，跳出来</a:t>
+            </a:r>
+            <a:r>
+              <a:rPr lang="zh-CN" altLang="en-US" dirty="0" smtClean="0"/>
+              <a:t>吧！</a:t>
             </a:r>
             <a:endParaRPr lang="en-US" altLang="zh-CN" dirty="0" smtClean="0"/>
           </a:p>
           <a:p>
             <a:r>
-              <a:rPr lang="en-US" altLang="zh-CN" dirty="0"/>
-              <a:t>do not pray for easy </a:t>
-            </a:r>
-            <a:r>
-              <a:rPr lang="en-US" altLang="zh-CN" dirty="0" smtClean="0"/>
-              <a:t>lives</a:t>
-            </a:r>
-            <a:r>
-              <a:rPr lang="en-US" altLang="zh-CN" dirty="0"/>
-              <a:t>. pray to be stronger men</a:t>
-            </a:r>
-            <a:r>
-              <a:rPr lang="en-US" altLang="zh-CN" dirty="0" smtClean="0"/>
-              <a:t>.</a:t>
-            </a:r>
-            <a:endParaRPr lang="zh-CN" altLang="en-US" dirty="0"/>
+              <a:rPr lang="zh-CN" altLang="en-US" dirty="0" smtClean="0"/>
+              <a:t>欲穷千里目，更上一层楼。</a:t>
+            </a:r>
+            <a:endParaRPr lang="en-US" altLang="zh-CN" dirty="0" smtClean="0"/>
           </a:p>
         </p:txBody>
       </p:sp>
     </p:spTree>
     <p:extLst>
       <p:ext uri="{BB962C8B-B14F-4D97-AF65-F5344CB8AC3E}">
-        <p14:creationId xmlns:p14="http://schemas.microsoft.com/office/powerpoint/2010/main" val="2996434"/>
+        <p14:creationId xmlns:p14="http://schemas.microsoft.com/office/powerpoint/2010/main" val="3312355405"/>
       </p:ext>
     </p:extLst>
   </p:cSld>
   <p:clrMapOvr>
     <a:masterClrMapping/>
   </p:clrMapOvr>
+  <p:timing>
+    <p:tnLst>
+      <p:par>
+        <p:cTn id="1" dur="indefinite" restart="never" nodeType="tmRoot"/>
+      </p:par>
+    </p:tnLst>
+  </p:timing>
 </p:sld>
 </file>
 
@@ -4197,7 +4545,7 @@
         <p:spPr/>
         <p:txBody>
           <a:bodyPr>
-            <a:normAutofit/>
+            <a:normAutofit fontScale="90000"/>
           </a:bodyPr>
           <a:lstStyle/>
           <a:p>
@@ -4205,68 +4553,106 @@
               <a:rPr lang="en-US" altLang="zh-CN" dirty="0" smtClean="0">
                 <a:effectLst/>
               </a:rPr>
-              <a:t>we are all in the gutter, </a:t>
-            </a:r>
-            <a:endParaRPr lang="zh-CN" altLang="en-US" dirty="0"/>
-          </a:p>
-        </p:txBody>
-      </p:sp>
-      <p:sp>
-        <p:nvSpPr>
-          <p:cNvPr id="3" name="内容占位符 2"/>
-          <p:cNvSpPr>
-            <a:spLocks noGrp="1"/>
-          </p:cNvSpPr>
-          <p:nvPr>
-            <p:ph idx="1"/>
-          </p:nvPr>
-        </p:nvSpPr>
-        <p:spPr/>
-        <p:txBody>
-          <a:bodyPr/>
-          <a:lstStyle/>
-          <a:p>
+              <a:t>It </a:t>
+            </a:r>
+            <a:r>
+              <a:rPr lang="en-US" altLang="zh-CN" dirty="0" err="1" smtClean="0">
+                <a:effectLst/>
+              </a:rPr>
+              <a:t>ain't</a:t>
+            </a:r>
             <a:r>
               <a:rPr lang="en-US" altLang="zh-CN" dirty="0" smtClean="0">
                 <a:effectLst/>
               </a:rPr>
-              <a:t>but some of us are looking at the stars.</a:t>
-            </a:r>
-            <a:br>
+              <a:t> what you don't know that gets you into trouble. </a:t>
+            </a:r>
+            <a:endParaRPr lang="zh-CN" altLang="en-US" dirty="0"/>
+          </a:p>
+        </p:txBody>
+      </p:sp>
+      <p:sp>
+        <p:nvSpPr>
+          <p:cNvPr id="3" name="内容占位符 2"/>
+          <p:cNvSpPr>
+            <a:spLocks noGrp="1"/>
+          </p:cNvSpPr>
+          <p:nvPr>
+            <p:ph idx="1"/>
+          </p:nvPr>
+        </p:nvSpPr>
+        <p:spPr/>
+        <p:txBody>
+          <a:bodyPr>
+            <a:normAutofit lnSpcReduction="10000"/>
+          </a:bodyPr>
+          <a:lstStyle/>
+          <a:p>
+            <a:r>
               <a:rPr lang="en-US" altLang="zh-CN" dirty="0" smtClean="0">
                 <a:effectLst/>
               </a:rPr>
-            </a:br>
-            <a:endParaRPr lang="en-US" altLang="zh-CN" dirty="0" smtClean="0">
-              <a:effectLst/>
-            </a:endParaRPr>
-          </a:p>
-          <a:p>
-            <a:r>
-              <a:rPr lang="zh-CN" altLang="en-US" dirty="0" smtClean="0"/>
-              <a:t>每个人都是自己的青蛙，坐在自己的水井里观天</a:t>
+              <a:t>It's what you know for sure that just </a:t>
+            </a:r>
+            <a:r>
+              <a:rPr lang="en-US" altLang="zh-CN" dirty="0" err="1" smtClean="0">
+                <a:effectLst/>
+              </a:rPr>
+              <a:t>ain't</a:t>
+            </a:r>
+            <a:r>
+              <a:rPr lang="en-US" altLang="zh-CN" dirty="0" smtClean="0">
+                <a:effectLst/>
+              </a:rPr>
+              <a:t> so.</a:t>
+            </a:r>
+          </a:p>
+          <a:p>
+            <a:r>
+              <a:rPr lang="zh-CN" altLang="en-US" dirty="0" smtClean="0"/>
+              <a:t>很多时候并不是人所不知道的让人陷入困境，反而是</a:t>
+            </a:r>
+            <a:r>
+              <a:rPr lang="zh-CN" altLang="en-US" dirty="0"/>
+              <a:t>人</a:t>
+            </a:r>
+            <a:r>
+              <a:rPr lang="zh-CN" altLang="en-US" dirty="0" smtClean="0"/>
+              <a:t>确信知道的事情让人遇到困难，因为人会自以为是的把某些错误的观念或事物认为是正确的。</a:t>
             </a:r>
             <a:endParaRPr lang="en-US" altLang="zh-CN" dirty="0" smtClean="0"/>
           </a:p>
           <a:p>
             <a:r>
-              <a:rPr lang="zh-CN" altLang="en-US" dirty="0" smtClean="0"/>
-              <a:t>跳出来</a:t>
-            </a:r>
-            <a:r>
-              <a:rPr lang="zh-CN" altLang="en-US" dirty="0" smtClean="0"/>
-              <a:t>吧</a:t>
+              <a:rPr lang="zh-CN" altLang="en-US" dirty="0"/>
+              <a:t>自我</a:t>
+            </a:r>
+            <a:r>
+              <a:rPr lang="zh-CN" altLang="en-US" dirty="0" smtClean="0"/>
+              <a:t>反省，吾日三省吾身。</a:t>
             </a:r>
             <a:endParaRPr lang="en-US" altLang="zh-CN" dirty="0" smtClean="0"/>
           </a:p>
           <a:p>
             <a:r>
               <a:rPr lang="en-US" altLang="zh-CN" dirty="0"/>
-              <a:t>For success, attitude is equally as important as ability</a:t>
-            </a:r>
-            <a:r>
-              <a:rPr lang="en-US" altLang="zh-CN" dirty="0" smtClean="0"/>
-              <a:t>.</a:t>
+              <a:t>For success, attitude is equally as important as ability.</a:t>
+            </a:r>
+            <a:r>
+              <a:rPr lang="zh-CN" altLang="en-US" dirty="0"/>
+              <a:t>开放心态</a:t>
+            </a:r>
+            <a:r>
+              <a:rPr lang="zh-CN" altLang="en-US" dirty="0" smtClean="0"/>
+              <a:t>，善于反思，方能突破</a:t>
+            </a:r>
+            <a:r>
+              <a:rPr lang="zh-CN" altLang="en-US" dirty="0"/>
+              <a:t>心理</a:t>
+            </a:r>
+            <a:r>
+              <a:rPr lang="zh-CN" altLang="en-US" dirty="0" smtClean="0"/>
+              <a:t>枷锁，走向成功。</a:t>
             </a:r>
             <a:endParaRPr lang="zh-CN" altLang="en-US" dirty="0"/>
           </a:p>
@@ -4275,7 +4661,7 @@
     </p:spTree>
     <p:extLst>
       <p:ext uri="{BB962C8B-B14F-4D97-AF65-F5344CB8AC3E}">
-        <p14:creationId xmlns:p14="http://schemas.microsoft.com/office/powerpoint/2010/main" val="3312355405"/>
+        <p14:creationId xmlns:p14="http://schemas.microsoft.com/office/powerpoint/2010/main" val="2968115688"/>
       </p:ext>
     </p:extLst>
   </p:cSld>
@@ -4315,90 +4701,56 @@
         <p:spPr/>
         <p:txBody>
           <a:bodyPr>
-            <a:normAutofit fontScale="90000"/>
+            <a:normAutofit/>
           </a:bodyPr>
           <a:lstStyle/>
           <a:p>
             <a:r>
+              <a:rPr lang="zh-CN" altLang="en-US" b="1" dirty="0"/>
+              <a:t>失败是成功之母</a:t>
+            </a:r>
+            <a:r>
+              <a:rPr lang="zh-CN" altLang="en-US" b="1" dirty="0" smtClean="0"/>
+              <a:t>？</a:t>
+            </a:r>
+            <a:endParaRPr lang="zh-CN" altLang="en-US" dirty="0"/>
+          </a:p>
+        </p:txBody>
+      </p:sp>
+      <p:sp>
+        <p:nvSpPr>
+          <p:cNvPr id="3" name="内容占位符 2"/>
+          <p:cNvSpPr>
+            <a:spLocks noGrp="1"/>
+          </p:cNvSpPr>
+          <p:nvPr>
+            <p:ph idx="1"/>
+          </p:nvPr>
+        </p:nvSpPr>
+        <p:spPr/>
+        <p:txBody>
+          <a:bodyPr/>
+          <a:lstStyle/>
+          <a:p>
+            <a:r>
               <a:rPr lang="en-US" altLang="zh-CN" dirty="0" smtClean="0">
-                <a:effectLst/>
+                <a:hlinkClick r:id="rId2"/>
               </a:rPr>
-              <a:t>It </a:t>
-            </a:r>
-            <a:r>
-              <a:rPr lang="en-US" altLang="zh-CN" dirty="0" err="1" smtClean="0">
-                <a:effectLst/>
-              </a:rPr>
-              <a:t>ain't</a:t>
-            </a:r>
-            <a:r>
-              <a:rPr lang="en-US" altLang="zh-CN" dirty="0" smtClean="0">
-                <a:effectLst/>
-              </a:rPr>
-              <a:t> what you don't know that gets you into trouble. </a:t>
-            </a:r>
-            <a:endParaRPr lang="zh-CN" altLang="en-US" dirty="0"/>
-          </a:p>
-        </p:txBody>
-      </p:sp>
-      <p:sp>
-        <p:nvSpPr>
-          <p:cNvPr id="3" name="内容占位符 2"/>
-          <p:cNvSpPr>
-            <a:spLocks noGrp="1"/>
-          </p:cNvSpPr>
-          <p:nvPr>
-            <p:ph idx="1"/>
-          </p:nvPr>
-        </p:nvSpPr>
-        <p:spPr/>
-        <p:txBody>
-          <a:bodyPr/>
-          <a:lstStyle/>
-          <a:p>
-            <a:r>
-              <a:rPr lang="en-US" altLang="zh-CN" dirty="0" smtClean="0">
-                <a:effectLst/>
-              </a:rPr>
-              <a:t>It's what you know for sure that just </a:t>
-            </a:r>
-            <a:r>
-              <a:rPr lang="en-US" altLang="zh-CN" dirty="0" err="1" smtClean="0">
-                <a:effectLst/>
-              </a:rPr>
-              <a:t>ain't</a:t>
-            </a:r>
-            <a:r>
-              <a:rPr lang="en-US" altLang="zh-CN" dirty="0" smtClean="0">
-                <a:effectLst/>
-              </a:rPr>
-              <a:t> so.</a:t>
+              <a:t>http://xue.youdao.com/sw/m/1166706?from=timeline</a:t>
+            </a:r>
+            <a:endParaRPr lang="en-US" altLang="zh-CN" dirty="0" smtClean="0"/>
+          </a:p>
+          <a:p>
+            <a:endParaRPr lang="en-US" altLang="zh-CN" dirty="0"/>
+          </a:p>
+          <a:p>
+            <a:r>
+              <a:rPr lang="zh-CN" altLang="en-US" b="1" dirty="0" smtClean="0"/>
+              <a:t>错了！失败只不过是懒惰的借口罢了。</a:t>
             </a:r>
             <a:br>
-              <a:rPr lang="en-US" altLang="zh-CN" dirty="0" smtClean="0">
-                <a:effectLst/>
-              </a:rPr>
+              <a:rPr lang="zh-CN" altLang="en-US" b="1" dirty="0" smtClean="0"/>
             </a:br>
-            <a:endParaRPr lang="en-US" altLang="zh-CN" dirty="0" smtClean="0">
-              <a:effectLst/>
-            </a:endParaRPr>
-          </a:p>
-          <a:p>
-            <a:r>
-              <a:rPr lang="zh-CN" altLang="en-US" dirty="0" smtClean="0"/>
-              <a:t>并不是你所不知道的让你陷入困境，是你确信知道的事情让你遇到困难，因为你自以为是的认为某些错误是正确的。</a:t>
-            </a:r>
-            <a:endParaRPr lang="en-US" altLang="zh-CN" dirty="0" smtClean="0"/>
-          </a:p>
-          <a:p>
-            <a:r>
-              <a:rPr lang="zh-CN" altLang="en-US" dirty="0"/>
-              <a:t>自我</a:t>
-            </a:r>
-            <a:r>
-              <a:rPr lang="zh-CN" altLang="en-US" dirty="0" smtClean="0"/>
-              <a:t>反省，吾日三省吾身</a:t>
-            </a:r>
             <a:endParaRPr lang="zh-CN" altLang="en-US" dirty="0"/>
           </a:p>
         </p:txBody>
@@ -4406,7 +4758,7 @@
     </p:spTree>
     <p:extLst>
       <p:ext uri="{BB962C8B-B14F-4D97-AF65-F5344CB8AC3E}">
-        <p14:creationId xmlns:p14="http://schemas.microsoft.com/office/powerpoint/2010/main" val="2968115688"/>
+        <p14:creationId xmlns:p14="http://schemas.microsoft.com/office/powerpoint/2010/main" val="3465391142"/>
       </p:ext>
     </p:extLst>
   </p:cSld>
@@ -4468,48 +4820,64 @@
         </p:nvSpPr>
         <p:spPr/>
         <p:txBody>
-          <a:bodyPr/>
-          <a:lstStyle/>
-          <a:p>
-            <a:r>
-              <a:rPr lang="zh-CN" altLang="en-US" dirty="0" smtClean="0"/>
-              <a:t>罗马不是一天建成的</a:t>
+          <a:bodyPr>
+            <a:normAutofit fontScale="85000" lnSpcReduction="20000"/>
+          </a:bodyPr>
+          <a:lstStyle/>
+          <a:p>
+            <a:r>
+              <a:rPr lang="zh-CN" altLang="en-US" dirty="0" smtClean="0"/>
+              <a:t>有人说：人生很残酷，阶层与界限如何阻碍人向上走等等；也有人说：人生充满不确定性。</a:t>
             </a:r>
             <a:endParaRPr lang="en-US" altLang="zh-CN" dirty="0" smtClean="0"/>
           </a:p>
           <a:p>
             <a:r>
               <a:rPr lang="zh-CN" altLang="en-US" dirty="0" smtClean="0"/>
-              <a:t>每天学习一点，每天进步一点</a:t>
+              <a:t>有个声音说：人生是一场马拉松。</a:t>
             </a:r>
             <a:endParaRPr lang="en-US" altLang="zh-CN" dirty="0" smtClean="0"/>
           </a:p>
           <a:p>
             <a:r>
               <a:rPr lang="zh-CN" altLang="en-US" dirty="0" smtClean="0"/>
-              <a:t>日积月累，集腋成裘，积沙成塔，水滴石穿，铁杵磨成针</a:t>
+              <a:t>每天多学习一点，每天多进步一点；日积月累，集腋成裘，积沙成塔，水滴石穿，铁杵磨成针。</a:t>
             </a:r>
             <a:endParaRPr lang="en-US" altLang="zh-CN" dirty="0" smtClean="0"/>
           </a:p>
           <a:p>
             <a:r>
+              <a:rPr lang="zh-CN" altLang="en-US" dirty="0" smtClean="0"/>
+              <a:t>其实人人</a:t>
+            </a:r>
+            <a:r>
               <a:rPr lang="zh-CN" altLang="en-US" dirty="0"/>
-              <a:t>人人都可以</a:t>
-            </a:r>
-            <a:r>
-              <a:rPr lang="zh-CN" altLang="en-US" dirty="0" smtClean="0"/>
-              <a:t>做到，持之以恒，世上无难事</a:t>
+              <a:t>都可以</a:t>
+            </a:r>
+            <a:r>
+              <a:rPr lang="zh-CN" altLang="en-US" dirty="0" smtClean="0"/>
+              <a:t>做到，只需要持之以恒，世上便无难事。</a:t>
             </a:r>
             <a:endParaRPr lang="en-US" altLang="zh-CN" dirty="0" smtClean="0"/>
           </a:p>
           <a:p>
             <a:r>
-              <a:rPr lang="zh-CN" altLang="en-US" dirty="0"/>
-              <a:t>你</a:t>
-            </a:r>
-            <a:r>
-              <a:rPr lang="zh-CN" altLang="en-US" dirty="0" smtClean="0"/>
-              <a:t>就是专家，你就是高手，你就是团队中坚力量</a:t>
+              <a:rPr lang="zh-CN" altLang="en-US" dirty="0" smtClean="0"/>
+              <a:t>日复一日，年复一年，专注职业和专业。</a:t>
+            </a:r>
+            <a:endParaRPr lang="en-US" altLang="zh-CN" dirty="0" smtClean="0"/>
+          </a:p>
+          <a:p>
+            <a:r>
+              <a:rPr lang="zh-CN" altLang="en-US" dirty="0" smtClean="0"/>
+              <a:t>结果，做到的就是专家，就是高手，就是团队的中坚力量。</a:t>
+            </a:r>
+            <a:endParaRPr lang="en-US" altLang="zh-CN" dirty="0" smtClean="0"/>
+          </a:p>
+          <a:p>
+            <a:r>
+              <a:rPr lang="zh-CN" altLang="en-US" dirty="0" smtClean="0"/>
+              <a:t>老实说，有时候，生活有点无巧不成书。</a:t>
             </a:r>
             <a:endParaRPr lang="zh-CN" altLang="en-US" dirty="0"/>
           </a:p>
@@ -4525,6 +4893,13 @@
   <p:clrMapOvr>
     <a:masterClrMapping/>
   </p:clrMapOvr>
+  <p:timing>
+    <p:tnLst>
+      <p:par>
+        <p:cTn id="1" dur="indefinite" restart="never" nodeType="tmRoot"/>
+      </p:par>
+    </p:tnLst>
+  </p:timing>
 </p:sld>
 </file>
 
@@ -4557,22 +4932,13 @@
         </p:nvSpPr>
         <p:spPr/>
         <p:txBody>
-          <a:bodyPr>
-            <a:normAutofit fontScale="90000"/>
-          </a:bodyPr>
-          <a:lstStyle/>
-          <a:p>
-            <a:r>
-              <a:rPr lang="en-US" altLang="zh-CN" dirty="0" smtClean="0">
-                <a:effectLst/>
-              </a:rPr>
-              <a:t>Human life is ephemera, </a:t>
-            </a:r>
-            <a:br>
-              <a:rPr lang="en-US" altLang="zh-CN" dirty="0" smtClean="0">
-                <a:effectLst/>
-              </a:rPr>
-            </a:br>
+          <a:bodyPr/>
+          <a:lstStyle/>
+          <a:p>
+            <a:r>
+              <a:rPr lang="en-US" altLang="zh-CN" dirty="0" smtClean="0"/>
+              <a:t>Life is a game,</a:t>
+            </a:r>
             <a:endParaRPr lang="zh-CN" altLang="en-US" dirty="0"/>
           </a:p>
         </p:txBody>
@@ -4593,223 +4959,27 @@
           <a:lstStyle/>
           <a:p>
             <a:r>
-              <a:rPr lang="en-US" altLang="zh-CN" dirty="0" smtClean="0">
-                <a:effectLst/>
-              </a:rPr>
-              <a:t>which makes it precious</a:t>
-            </a:r>
-            <a:r>
-              <a:rPr lang="en-US" altLang="zh-CN" dirty="0" smtClean="0">
-                <a:effectLst/>
-              </a:rPr>
+              <a:rPr lang="en-US" altLang="zh-CN" dirty="0" smtClean="0"/>
+              <a:t>Play it</a:t>
+            </a:r>
+            <a:r>
+              <a:rPr lang="en-US" altLang="zh-CN" dirty="0"/>
               <a:t>.</a:t>
             </a:r>
-          </a:p>
-          <a:p>
-            <a:endParaRPr lang="en-US" altLang="zh-CN" dirty="0"/>
-          </a:p>
-          <a:p>
-            <a:r>
-              <a:rPr lang="zh-CN" altLang="en-US" dirty="0" smtClean="0"/>
-              <a:t>人生无常</a:t>
-            </a:r>
             <a:endParaRPr lang="en-US" altLang="zh-CN" dirty="0" smtClean="0"/>
           </a:p>
           <a:p>
             <a:r>
-              <a:rPr lang="zh-CN" altLang="en-US" dirty="0"/>
-              <a:t>活在</a:t>
-            </a:r>
-            <a:r>
-              <a:rPr lang="zh-CN" altLang="en-US" dirty="0" smtClean="0"/>
-              <a:t>当下</a:t>
+              <a:rPr lang="zh-CN" altLang="en-US" dirty="0" smtClean="0"/>
+              <a:t>人生大戏，永远在路上。</a:t>
             </a:r>
             <a:endParaRPr lang="en-US" altLang="zh-CN" dirty="0" smtClean="0"/>
           </a:p>
           <a:p>
             <a:r>
-              <a:rPr lang="zh-CN" altLang="en-US" dirty="0"/>
-              <a:t>珍惜当下</a:t>
-            </a:r>
-            <a:endParaRPr lang="zh-CN" altLang="en-US" dirty="0"/>
-          </a:p>
-        </p:txBody>
-      </p:sp>
-    </p:spTree>
-    <p:extLst>
-      <p:ext uri="{BB962C8B-B14F-4D97-AF65-F5344CB8AC3E}">
-        <p14:creationId xmlns:p14="http://schemas.microsoft.com/office/powerpoint/2010/main" val="1703676890"/>
-      </p:ext>
-    </p:extLst>
-  </p:cSld>
-  <p:clrMapOvr>
-    <a:masterClrMapping/>
-  </p:clrMapOvr>
-</p:sld>
-</file>
-
-<file path=ppt/slides/slide21.xml><?xml version="1.0" encoding="utf-8"?>
-<p:sld xmlns:a="http://schemas.openxmlformats.org/drawingml/2006/main" xmlns:r="http://schemas.openxmlformats.org/officeDocument/2006/relationships" xmlns:p="http://schemas.openxmlformats.org/presentationml/2006/main">
-  <p:cSld>
-    <p:spTree>
-      <p:nvGrpSpPr>
-        <p:cNvPr id="1" name=""/>
-        <p:cNvGrpSpPr/>
-        <p:nvPr/>
-      </p:nvGrpSpPr>
-      <p:grpSpPr>
-        <a:xfrm>
-          <a:off x="0" y="0"/>
-          <a:ext cx="0" cy="0"/>
-          <a:chOff x="0" y="0"/>
-          <a:chExt cx="0" cy="0"/>
-        </a:xfrm>
-      </p:grpSpPr>
-      <p:sp>
-        <p:nvSpPr>
-          <p:cNvPr id="2" name="标题 1"/>
-          <p:cNvSpPr>
-            <a:spLocks noGrp="1"/>
-          </p:cNvSpPr>
-          <p:nvPr>
-            <p:ph type="title"/>
-          </p:nvPr>
-        </p:nvSpPr>
-        <p:spPr/>
-        <p:txBody>
-          <a:bodyPr>
-            <a:normAutofit/>
-          </a:bodyPr>
-          <a:lstStyle/>
-          <a:p>
-            <a:r>
-              <a:rPr lang="zh-CN" altLang="en-US" b="1" dirty="0"/>
-              <a:t>失败是成功之母</a:t>
-            </a:r>
-            <a:r>
-              <a:rPr lang="zh-CN" altLang="en-US" b="1" dirty="0" smtClean="0"/>
-              <a:t>？</a:t>
-            </a:r>
-            <a:endParaRPr lang="zh-CN" altLang="en-US" dirty="0"/>
-          </a:p>
-        </p:txBody>
-      </p:sp>
-      <p:sp>
-        <p:nvSpPr>
-          <p:cNvPr id="3" name="内容占位符 2"/>
-          <p:cNvSpPr>
-            <a:spLocks noGrp="1"/>
-          </p:cNvSpPr>
-          <p:nvPr>
-            <p:ph idx="1"/>
-          </p:nvPr>
-        </p:nvSpPr>
-        <p:spPr/>
-        <p:txBody>
-          <a:bodyPr/>
-          <a:lstStyle/>
-          <a:p>
-            <a:r>
-              <a:rPr lang="en-US" altLang="zh-CN" dirty="0" smtClean="0">
-                <a:hlinkClick r:id="rId2"/>
-              </a:rPr>
-              <a:t>http://xue.youdao.com/sw/m/1166706?from=timeline</a:t>
-            </a:r>
-            <a:endParaRPr lang="en-US" altLang="zh-CN" dirty="0" smtClean="0"/>
-          </a:p>
-          <a:p>
-            <a:endParaRPr lang="en-US" altLang="zh-CN" dirty="0"/>
-          </a:p>
-          <a:p>
-            <a:r>
-              <a:rPr lang="zh-CN" altLang="en-US" b="1" dirty="0" smtClean="0"/>
-              <a:t>你错了！失败只不过是你懒惰的借口罢了</a:t>
-            </a:r>
-            <a:br>
-              <a:rPr lang="zh-CN" altLang="en-US" b="1" dirty="0" smtClean="0"/>
-            </a:br>
-            <a:endParaRPr lang="zh-CN" altLang="en-US" dirty="0"/>
-          </a:p>
-        </p:txBody>
-      </p:sp>
-    </p:spTree>
-    <p:extLst>
-      <p:ext uri="{BB962C8B-B14F-4D97-AF65-F5344CB8AC3E}">
-        <p14:creationId xmlns:p14="http://schemas.microsoft.com/office/powerpoint/2010/main" val="3465391142"/>
-      </p:ext>
-    </p:extLst>
-  </p:cSld>
-  <p:clrMapOvr>
-    <a:masterClrMapping/>
-  </p:clrMapOvr>
-</p:sld>
-</file>
-
-<file path=ppt/slides/slide22.xml><?xml version="1.0" encoding="utf-8"?>
-<p:sld xmlns:a="http://schemas.openxmlformats.org/drawingml/2006/main" xmlns:r="http://schemas.openxmlformats.org/officeDocument/2006/relationships" xmlns:p="http://schemas.openxmlformats.org/presentationml/2006/main">
-  <p:cSld>
-    <p:spTree>
-      <p:nvGrpSpPr>
-        <p:cNvPr id="1" name=""/>
-        <p:cNvGrpSpPr/>
-        <p:nvPr/>
-      </p:nvGrpSpPr>
-      <p:grpSpPr>
-        <a:xfrm>
-          <a:off x="0" y="0"/>
-          <a:ext cx="0" cy="0"/>
-          <a:chOff x="0" y="0"/>
-          <a:chExt cx="0" cy="0"/>
-        </a:xfrm>
-      </p:grpSpPr>
-      <p:sp>
-        <p:nvSpPr>
-          <p:cNvPr id="2" name="标题 1"/>
-          <p:cNvSpPr>
-            <a:spLocks noGrp="1"/>
-          </p:cNvSpPr>
-          <p:nvPr>
-            <p:ph type="title"/>
-          </p:nvPr>
-        </p:nvSpPr>
-        <p:spPr/>
-        <p:txBody>
-          <a:bodyPr/>
-          <a:lstStyle/>
-          <a:p>
-            <a:r>
-              <a:rPr lang="en-US" altLang="zh-CN" dirty="0" smtClean="0"/>
-              <a:t>Life is a game</a:t>
-            </a:r>
-            <a:endParaRPr lang="zh-CN" altLang="en-US" dirty="0"/>
-          </a:p>
-        </p:txBody>
-      </p:sp>
-      <p:sp>
-        <p:nvSpPr>
-          <p:cNvPr id="3" name="内容占位符 2"/>
-          <p:cNvSpPr>
-            <a:spLocks noGrp="1"/>
-          </p:cNvSpPr>
-          <p:nvPr>
-            <p:ph idx="1"/>
-          </p:nvPr>
-        </p:nvSpPr>
-        <p:spPr/>
-        <p:txBody>
-          <a:bodyPr/>
-          <a:lstStyle/>
-          <a:p>
-            <a:r>
-              <a:rPr lang="en-US" altLang="zh-CN" dirty="0" smtClean="0"/>
-              <a:t>Play </a:t>
-            </a:r>
-            <a:r>
-              <a:rPr lang="en-US" altLang="zh-CN" dirty="0" smtClean="0"/>
-              <a:t>it</a:t>
-            </a:r>
-          </a:p>
-          <a:p>
+              <a:rPr lang="zh-CN" altLang="en-US" dirty="0" smtClean="0"/>
+              <a:t>欢迎批评斧正！</a:t>
+            </a:r>
             <a:endParaRPr lang="en-US" altLang="zh-CN" dirty="0"/>
           </a:p>
           <a:p>
@@ -4907,7 +5077,7 @@
         <p:spPr/>
         <p:txBody>
           <a:bodyPr>
-            <a:normAutofit lnSpcReduction="10000"/>
+            <a:normAutofit fontScale="92500" lnSpcReduction="10000"/>
           </a:bodyPr>
           <a:lstStyle/>
           <a:p>
@@ -4951,7 +5121,47 @@
               <a:rPr lang="en-US" altLang="zh-CN" dirty="0" smtClean="0"/>
               <a:t>7) Sharpen the saw.</a:t>
             </a:r>
-            <a:endParaRPr lang="zh-CN" altLang="en-US" dirty="0"/>
+          </a:p>
+          <a:p>
+            <a:r>
+              <a:rPr lang="zh-CN" altLang="en-US" sz="1300" dirty="0" smtClean="0"/>
+              <a:t>烟大南校区吃饭、顺便看美女，美女没看到</a:t>
+            </a:r>
+            <a:r>
+              <a:rPr lang="zh-CN" altLang="en-US" sz="1300" dirty="0" smtClean="0">
+                <a:sym typeface="Wingdings" panose="05000000000000000000" pitchFamily="2" charset="2"/>
+              </a:rPr>
+              <a:t></a:t>
+            </a:r>
+            <a:r>
+              <a:rPr lang="zh-CN" altLang="en-US" sz="1300" dirty="0" smtClean="0"/>
+              <a:t>，宝贝书看到一本</a:t>
+            </a:r>
+            <a:r>
+              <a:rPr lang="en-US" altLang="zh-CN" sz="1300" dirty="0" smtClean="0"/>
+              <a:t>《</a:t>
+            </a:r>
+            <a:r>
+              <a:rPr lang="zh-CN" altLang="en-US" sz="1300" dirty="0" smtClean="0"/>
+              <a:t>高效能人士的七个习惯</a:t>
+            </a:r>
+            <a:r>
+              <a:rPr lang="en-US" altLang="zh-CN" sz="1300" dirty="0" smtClean="0"/>
+              <a:t>》--</a:t>
+            </a:r>
+            <a:r>
+              <a:rPr lang="zh-CN" altLang="en-US" sz="1300" dirty="0" smtClean="0"/>
+              <a:t>柯维著，世界</a:t>
+            </a:r>
+            <a:r>
+              <a:rPr lang="en-US" altLang="zh-CN" sz="1300" dirty="0" smtClean="0"/>
+              <a:t>500</a:t>
+            </a:r>
+            <a:r>
+              <a:rPr lang="zh-CN" altLang="en-US" sz="1300" dirty="0" smtClean="0"/>
+              <a:t>强企业众多高管热捧，出版近三十年，再版几十次，好评如潮，卡耐基后无人出其右。</a:t>
+            </a:r>
+            <a:endParaRPr lang="zh-CN" altLang="en-US" sz="1300" dirty="0"/>
           </a:p>
         </p:txBody>
       </p:sp>
@@ -4965,6 +5175,13 @@
   <p:clrMapOvr>
     <a:masterClrMapping/>
   </p:clrMapOvr>
+  <p:timing>
+    <p:tnLst>
+      <p:par>
+        <p:cTn id="1" dur="indefinite" restart="never" nodeType="tmRoot"/>
+      </p:par>
+    </p:tnLst>
+  </p:timing>
 </p:sld>
 </file>
 
@@ -5021,9 +5238,16 @@
         <p:spPr/>
         <p:txBody>
           <a:bodyPr>
-            <a:normAutofit/>
+            <a:normAutofit fontScale="77500" lnSpcReduction="20000"/>
           </a:bodyPr>
           <a:lstStyle/>
+          <a:p>
+            <a:r>
+              <a:rPr lang="zh-CN" altLang="en-US" dirty="0"/>
+              <a:t>对待任何事情，无论是生活、工作，都需要积极主动、乐观向上。</a:t>
+            </a:r>
+            <a:endParaRPr lang="en-US" altLang="zh-CN" dirty="0"/>
+          </a:p>
           <a:p>
             <a:r>
               <a:rPr lang="en-US" altLang="zh-CN" dirty="0" smtClean="0"/>
@@ -5031,62 +5255,61 @@
             </a:r>
             <a:r>
               <a:rPr lang="zh-CN" altLang="en-US" dirty="0" smtClean="0"/>
-              <a:t>秒，每天都是一个礼物</a:t>
+              <a:t>秒，每天都是一个礼物。</a:t>
             </a:r>
             <a:endParaRPr lang="en-US" altLang="zh-CN" dirty="0"/>
           </a:p>
           <a:p>
             <a:r>
-              <a:rPr lang="zh-CN" altLang="en-US" dirty="0" smtClean="0"/>
-              <a:t>昨天永远过去，明天还是个</a:t>
-            </a:r>
-            <a:r>
-              <a:rPr lang="zh-CN" altLang="en-US" dirty="0" smtClean="0"/>
-              <a:t>迷，珍惜今天的每一秒</a:t>
+              <a:rPr lang="zh-CN" altLang="en-US" dirty="0"/>
+              <a:t>月有阴晴圆缺，人有旦夕祸福</a:t>
+            </a:r>
+            <a:r>
+              <a:rPr lang="zh-CN" altLang="en-US" dirty="0" smtClean="0"/>
+              <a:t>。有谁没有面对过亲朋好友的生离死别吗？</a:t>
             </a:r>
             <a:endParaRPr lang="en-US" altLang="zh-CN" dirty="0" smtClean="0"/>
           </a:p>
           <a:p>
+            <a:r>
+              <a:rPr lang="en-US" altLang="zh-CN" dirty="0"/>
+              <a:t>Human life is ephemera, which makes it precious.</a:t>
+            </a:r>
+          </a:p>
+          <a:p>
+            <a:r>
+              <a:rPr lang="zh-CN" altLang="en-US" dirty="0" smtClean="0"/>
+              <a:t>昨天永远过去，明天还是个迷，请珍惜今天的每一秒。</a:t>
+            </a:r>
             <a:endParaRPr lang="en-US" altLang="zh-CN" dirty="0" smtClean="0"/>
           </a:p>
           <a:p>
             <a:r>
               <a:rPr lang="zh-CN" altLang="en-US" dirty="0" smtClean="0"/>
-              <a:t>积极</a:t>
-            </a:r>
-            <a:r>
-              <a:rPr lang="zh-CN" altLang="en-US" dirty="0" smtClean="0"/>
-              <a:t>主动、</a:t>
+              <a:t>人生无常</a:t>
             </a:r>
             <a:r>
               <a:rPr lang="zh-CN" altLang="en-US" dirty="0"/>
-              <a:t>乐观</a:t>
-            </a:r>
-            <a:r>
-              <a:rPr lang="zh-CN" altLang="en-US" dirty="0" smtClean="0"/>
-              <a:t>向上</a:t>
-            </a:r>
-            <a:endParaRPr lang="en-US" altLang="zh-CN" dirty="0" smtClean="0"/>
-          </a:p>
-          <a:p>
+              <a:t>，</a:t>
+            </a:r>
+            <a:r>
+              <a:rPr lang="zh-CN" altLang="en-US" dirty="0" smtClean="0"/>
+              <a:t>活</a:t>
+            </a:r>
             <a:r>
               <a:rPr lang="zh-CN" altLang="en-US" dirty="0"/>
-              <a:t>任何</a:t>
-            </a:r>
-            <a:r>
-              <a:rPr lang="zh-CN" altLang="en-US" dirty="0" smtClean="0"/>
-              <a:t>事情：生活、</a:t>
-            </a:r>
-            <a:r>
-              <a:rPr lang="zh-CN" altLang="en-US" dirty="0" smtClean="0"/>
-              <a:t>工作</a:t>
+              <a:t>在</a:t>
+            </a:r>
+            <a:r>
+              <a:rPr lang="zh-CN" altLang="en-US" dirty="0" smtClean="0"/>
+              <a:t>当下，当珍惜当下。</a:t>
             </a:r>
             <a:endParaRPr lang="en-US" altLang="zh-CN" dirty="0"/>
           </a:p>
           <a:p>
             <a:r>
               <a:rPr lang="zh-CN" altLang="en-US" dirty="0" smtClean="0"/>
-              <a:t>幸福感不会遥远</a:t>
+              <a:t>有哲学家说存在就是合理，窃以为存在就是幸福，活着就要有意义，活出自己的价值，做有追求、有担当、有用的人。</a:t>
             </a:r>
             <a:endParaRPr lang="en-US" altLang="zh-CN" dirty="0" smtClean="0"/>
           </a:p>
@@ -5102,6 +5325,13 @@
   <p:clrMapOvr>
     <a:masterClrMapping/>
   </p:clrMapOvr>
+  <p:timing>
+    <p:tnLst>
+      <p:par>
+        <p:cTn id="1" dur="indefinite" restart="never" nodeType="tmRoot"/>
+      </p:par>
+    </p:tnLst>
+  </p:timing>
 </p:sld>
 </file>
 
@@ -5162,15 +5392,49 @@
           <a:p>
             <a:r>
               <a:rPr lang="zh-CN" altLang="en-US" dirty="0" smtClean="0"/>
-              <a:t>以始为终</a:t>
+              <a:t>做人做事，有始有终。</a:t>
+            </a:r>
+            <a:endParaRPr lang="en-US" altLang="zh-CN" dirty="0"/>
+          </a:p>
+          <a:p>
+            <a:r>
+              <a:rPr lang="zh-CN" altLang="en-US" dirty="0" smtClean="0"/>
+              <a:t>以始为终，以终为始。</a:t>
             </a:r>
             <a:endParaRPr lang="en-US" altLang="zh-CN" dirty="0" smtClean="0"/>
           </a:p>
           <a:p>
             <a:r>
+              <a:rPr lang="zh-CN" altLang="en-US" dirty="0" smtClean="0"/>
+              <a:t>罗马</a:t>
+            </a:r>
+            <a:r>
               <a:rPr lang="zh-CN" altLang="en-US" dirty="0"/>
-              <a:t>有始有终</a:t>
-            </a:r>
+              <a:t>不是一天建成</a:t>
+            </a:r>
+            <a:r>
+              <a:rPr lang="zh-CN" altLang="en-US" dirty="0" smtClean="0"/>
+              <a:t>的，同样一个人的名字需要用一生去书写。</a:t>
+            </a:r>
+            <a:endParaRPr lang="en-US" altLang="zh-CN" dirty="0" smtClean="0"/>
+          </a:p>
+          <a:p>
+            <a:r>
+              <a:rPr lang="zh-CN" altLang="en-US" dirty="0"/>
+              <a:t>终</a:t>
+            </a:r>
+            <a:r>
+              <a:rPr lang="zh-CN" altLang="en-US" dirty="0" smtClean="0"/>
+              <a:t>有一天，盖棺定论之时，人会希望亲朋好友以及认识的人，给予怎样的评价？</a:t>
+            </a:r>
+            <a:endParaRPr lang="en-US" altLang="zh-CN" dirty="0" smtClean="0"/>
+          </a:p>
+          <a:p>
+            <a:r>
+              <a:rPr lang="zh-CN" altLang="en-US" dirty="0" smtClean="0"/>
+              <a:t>柯维给了我们很好的一个角度去思考人生。</a:t>
+            </a:r>
+            <a:endParaRPr lang="zh-CN" altLang="en-US" dirty="0"/>
           </a:p>
         </p:txBody>
       </p:sp>
@@ -5184,6 +5448,13 @@
   <p:clrMapOvr>
     <a:masterClrMapping/>
   </p:clrMapOvr>
+  <p:timing>
+    <p:tnLst>
+      <p:par>
+        <p:cTn id="1" dur="indefinite" restart="never" nodeType="tmRoot"/>
+      </p:par>
+    </p:tnLst>
+  </p:timing>
 </p:sld>
 </file>
 
@@ -5243,8 +5514,12 @@
           <a:lstStyle/>
           <a:p>
             <a:r>
-              <a:rPr lang="zh-CN" altLang="en-US" dirty="0" smtClean="0"/>
-              <a:t>工作分类</a:t>
+              <a:rPr lang="zh-CN" altLang="en-US" dirty="0"/>
+              <a:t>事情</a:t>
+            </a:r>
+            <a:r>
+              <a:rPr lang="zh-CN" altLang="en-US" dirty="0" smtClean="0"/>
+              <a:t>分类：</a:t>
             </a:r>
             <a:endParaRPr lang="en-US" altLang="zh-CN" dirty="0" smtClean="0"/>
           </a:p>
@@ -5276,7 +5551,14 @@
           <a:p>
             <a:r>
               <a:rPr lang="zh-CN" altLang="en-US" dirty="0" smtClean="0"/>
-              <a:t>不重要切不紧急的</a:t>
+              <a:t>不重要且不紧急的</a:t>
+            </a:r>
+            <a:endParaRPr lang="en-US" altLang="zh-CN" dirty="0" smtClean="0"/>
+          </a:p>
+          <a:p>
+            <a:r>
+              <a:rPr lang="zh-CN" altLang="en-US" dirty="0" smtClean="0"/>
+              <a:t>根据优先级处理所有事情，工作、生活概莫能外吧。</a:t>
             </a:r>
             <a:endParaRPr lang="en-US" altLang="zh-CN" dirty="0" smtClean="0"/>
           </a:p>
@@ -5298,6 +5580,13 @@
   <p:clrMapOvr>
     <a:masterClrMapping/>
   </p:clrMapOvr>
+  <p:timing>
+    <p:tnLst>
+      <p:par>
+        <p:cTn id="1" dur="indefinite" restart="never" nodeType="tmRoot"/>
+      </p:par>
+    </p:tnLst>
+  </p:timing>
 </p:sld>
 </file>
 
@@ -5358,11 +5647,7 @@
           <a:p>
             <a:r>
               <a:rPr lang="zh-CN" altLang="en-US" dirty="0" smtClean="0"/>
-              <a:t>双赢乃至多赢思路主导</a:t>
-            </a:r>
-            <a:r>
-              <a:rPr lang="zh-CN" altLang="en-US" dirty="0" smtClean="0"/>
-              <a:t>工作、主导生活</a:t>
+              <a:t>尽量使用双赢乃至多赢思路主导工作、主导生活。</a:t>
             </a:r>
             <a:endParaRPr lang="en-US" altLang="zh-CN" dirty="0" smtClean="0"/>
           </a:p>
@@ -5372,7 +5657,17 @@
           <a:p>
             <a:r>
               <a:rPr lang="zh-CN" altLang="en-US" dirty="0" smtClean="0"/>
-              <a:t>单赢有毒，慎用</a:t>
+              <a:t>单赢有毒，慎用。</a:t>
+            </a:r>
+            <a:endParaRPr lang="en-US" altLang="zh-CN" dirty="0" smtClean="0"/>
+          </a:p>
+          <a:p>
+            <a:endParaRPr lang="en-US" altLang="zh-CN" dirty="0"/>
+          </a:p>
+          <a:p>
+            <a:r>
+              <a:rPr lang="zh-CN" altLang="en-US" dirty="0" smtClean="0"/>
+              <a:t>各种场景，有兴趣的可以思考。</a:t>
             </a:r>
             <a:endParaRPr lang="zh-CN" altLang="en-US" dirty="0"/>
           </a:p>
@@ -5388,6 +5683,13 @@
   <p:clrMapOvr>
     <a:masterClrMapping/>
   </p:clrMapOvr>
+  <p:timing>
+    <p:tnLst>
+      <p:par>
+        <p:cTn id="1" dur="indefinite" restart="never" nodeType="tmRoot"/>
+      </p:par>
+    </p:tnLst>
+  </p:timing>
 </p:sld>
 </file>
 
@@ -5427,15 +5729,7 @@
           <a:p>
             <a:r>
               <a:rPr lang="en-US" altLang="zh-CN" dirty="0" smtClean="0"/>
-              <a:t>Seek first to understand</a:t>
-            </a:r>
-            <a:r>
-              <a:rPr lang="en-US" altLang="zh-CN" dirty="0" smtClean="0"/>
-              <a:t>, then </a:t>
-            </a:r>
-            <a:r>
-              <a:rPr lang="en-US" altLang="zh-CN" dirty="0" smtClean="0"/>
-              <a:t>to be understood</a:t>
+              <a:t>Seek first to understand, then to be understood</a:t>
             </a:r>
             <a:endParaRPr lang="zh-CN" altLang="en-US" dirty="0"/>
           </a:p>
@@ -5458,7 +5752,7 @@
           <a:p>
             <a:r>
               <a:rPr lang="zh-CN" altLang="en-US" dirty="0" smtClean="0"/>
-              <a:t>尝试追求先理解别人，然后再让别人理解自己</a:t>
+              <a:t>尝试追求先理解别人，然后再让别人理解自己。</a:t>
             </a:r>
             <a:endParaRPr lang="en-US" altLang="zh-CN" dirty="0" smtClean="0"/>
           </a:p>
@@ -5469,7 +5763,7 @@
             </a:r>
             <a:r>
               <a:rPr lang="zh-CN" altLang="en-US" dirty="0" smtClean="0"/>
-              <a:t>个角度看问题</a:t>
+              <a:t>个角度看问题。</a:t>
             </a:r>
             <a:endParaRPr lang="en-US" altLang="zh-CN" dirty="0" smtClean="0"/>
           </a:p>
@@ -5480,15 +5774,23 @@
             </a:r>
             <a:r>
               <a:rPr lang="zh-CN" altLang="en-US" dirty="0" smtClean="0"/>
-              <a:t>在对方的角度看问题</a:t>
+              <a:t>在对方的角度看问题。</a:t>
             </a:r>
             <a:endParaRPr lang="en-US" altLang="zh-CN" dirty="0" smtClean="0"/>
           </a:p>
           <a:p>
             <a:r>
-              <a:rPr lang="zh-CN" altLang="en-US" dirty="0"/>
-              <a:t>求同存异</a:t>
-            </a:r>
+              <a:rPr lang="zh-CN" altLang="en-US" dirty="0" smtClean="0"/>
+              <a:t>工作要团结合作，必须求同存异。</a:t>
+            </a:r>
+            <a:endParaRPr lang="en-US" altLang="zh-CN" dirty="0" smtClean="0"/>
+          </a:p>
+          <a:p>
+            <a:r>
+              <a:rPr lang="zh-CN" altLang="en-US" dirty="0" smtClean="0"/>
+              <a:t>可能的话，尽量给别人自我修正的时间和空间。</a:t>
+            </a:r>
+            <a:endParaRPr lang="zh-CN" altLang="en-US" dirty="0"/>
           </a:p>
         </p:txBody>
       </p:sp>
@@ -5502,6 +5804,13 @@
   <p:clrMapOvr>
     <a:masterClrMapping/>
   </p:clrMapOvr>
+  <p:timing>
+    <p:tnLst>
+      <p:par>
+        <p:cTn id="1" dur="indefinite" restart="never" nodeType="tmRoot"/>
+      </p:par>
+    </p:tnLst>
+  </p:timing>
 </p:sld>
 </file>
 
@@ -5557,7 +5866,9 @@
         </p:nvSpPr>
         <p:spPr/>
         <p:txBody>
-          <a:bodyPr/>
+          <a:bodyPr>
+            <a:normAutofit lnSpcReduction="10000"/>
+          </a:bodyPr>
           <a:lstStyle/>
           <a:p>
             <a:r>
@@ -5570,21 +5881,21 @@
             </a:r>
             <a:r>
               <a:rPr lang="zh-CN" altLang="en-US" dirty="0" smtClean="0"/>
-              <a:t>个方面，会产生</a:t>
-            </a:r>
-            <a:r>
-              <a:rPr lang="zh-CN" altLang="en-US" dirty="0" smtClean="0"/>
-              <a:t>协同效应</a:t>
+              <a:t>个方面，团队会产生协同效应。</a:t>
             </a:r>
             <a:endParaRPr lang="en-US" altLang="zh-CN" dirty="0" smtClean="0"/>
           </a:p>
           <a:p>
+            <a:r>
+              <a:rPr lang="zh-CN" altLang="en-US" dirty="0" smtClean="0"/>
+              <a:t>心理共鸣，事业共振。</a:t>
+            </a:r>
             <a:endParaRPr lang="en-US" altLang="zh-CN" dirty="0"/>
           </a:p>
           <a:p>
             <a:r>
               <a:rPr lang="zh-CN" altLang="en-US" dirty="0" smtClean="0"/>
-              <a:t>也许某一天，一人得道，鸡犬升天</a:t>
+              <a:t>也许某一天，一人得道，鸡犬升天（俗啊）</a:t>
             </a:r>
             <a:endParaRPr lang="en-US" altLang="zh-CN" dirty="0" smtClean="0"/>
           </a:p>
@@ -5594,7 +5905,20 @@
           <a:p>
             <a:r>
               <a:rPr lang="en-US" altLang="zh-CN" dirty="0"/>
-              <a:t>No dream is too big, and no dreamer is too small.</a:t>
+              <a:t>No dream is too big, and no dreamer is too small</a:t>
+            </a:r>
+            <a:r>
+              <a:rPr lang="en-US" altLang="zh-CN" dirty="0" smtClean="0"/>
+              <a:t>.</a:t>
+            </a:r>
+          </a:p>
+          <a:p>
+            <a:endParaRPr lang="en-US" altLang="zh-CN" dirty="0"/>
+          </a:p>
+          <a:p>
+            <a:r>
+              <a:rPr lang="zh-CN" altLang="en-US" dirty="0" smtClean="0"/>
+              <a:t>敢想敢做，敢于追梦，中国梦！</a:t>
             </a:r>
             <a:endParaRPr lang="zh-CN" altLang="en-US" dirty="0"/>
           </a:p>
@@ -5610,6 +5934,13 @@
   <p:clrMapOvr>
     <a:masterClrMapping/>
   </p:clrMapOvr>
+  <p:timing>
+    <p:tnLst>
+      <p:par>
+        <p:cTn id="1" dur="indefinite" restart="never" nodeType="tmRoot"/>
+      </p:par>
+    </p:tnLst>
+  </p:timing>
 </p:sld>
 </file>
 
